--- a/DesafioFinalDS/Presentacion Final.pptx
+++ b/DesafioFinalDS/Presentacion Final.pptx
@@ -6,7 +6,7 @@
     <p:sldMasterId id="2147483678" r:id="rId2"/>
   </p:sldMasterIdLst>
   <p:notesMasterIdLst>
-    <p:notesMasterId r:id="rId31"/>
+    <p:notesMasterId r:id="rId30"/>
   </p:notesMasterIdLst>
   <p:sldIdLst>
     <p:sldId id="256" r:id="rId3"/>
@@ -15,64 +15,63 @@
     <p:sldId id="260" r:id="rId6"/>
     <p:sldId id="264" r:id="rId7"/>
     <p:sldId id="266" r:id="rId8"/>
-    <p:sldId id="268" r:id="rId9"/>
-    <p:sldId id="269" r:id="rId10"/>
-    <p:sldId id="270" r:id="rId11"/>
-    <p:sldId id="271" r:id="rId12"/>
-    <p:sldId id="272" r:id="rId13"/>
-    <p:sldId id="273" r:id="rId14"/>
-    <p:sldId id="274" r:id="rId15"/>
-    <p:sldId id="275" r:id="rId16"/>
-    <p:sldId id="276" r:id="rId17"/>
-    <p:sldId id="277" r:id="rId18"/>
-    <p:sldId id="278" r:id="rId19"/>
-    <p:sldId id="279" r:id="rId20"/>
-    <p:sldId id="280" r:id="rId21"/>
-    <p:sldId id="281" r:id="rId22"/>
-    <p:sldId id="282" r:id="rId23"/>
-    <p:sldId id="283" r:id="rId24"/>
-    <p:sldId id="284" r:id="rId25"/>
-    <p:sldId id="285" r:id="rId26"/>
-    <p:sldId id="286" r:id="rId27"/>
-    <p:sldId id="287" r:id="rId28"/>
-    <p:sldId id="288" r:id="rId29"/>
-    <p:sldId id="289" r:id="rId30"/>
+    <p:sldId id="269" r:id="rId9"/>
+    <p:sldId id="270" r:id="rId10"/>
+    <p:sldId id="271" r:id="rId11"/>
+    <p:sldId id="272" r:id="rId12"/>
+    <p:sldId id="273" r:id="rId13"/>
+    <p:sldId id="274" r:id="rId14"/>
+    <p:sldId id="275" r:id="rId15"/>
+    <p:sldId id="276" r:id="rId16"/>
+    <p:sldId id="277" r:id="rId17"/>
+    <p:sldId id="278" r:id="rId18"/>
+    <p:sldId id="279" r:id="rId19"/>
+    <p:sldId id="280" r:id="rId20"/>
+    <p:sldId id="281" r:id="rId21"/>
+    <p:sldId id="282" r:id="rId22"/>
+    <p:sldId id="283" r:id="rId23"/>
+    <p:sldId id="284" r:id="rId24"/>
+    <p:sldId id="285" r:id="rId25"/>
+    <p:sldId id="286" r:id="rId26"/>
+    <p:sldId id="287" r:id="rId27"/>
+    <p:sldId id="288" r:id="rId28"/>
+    <p:sldId id="289" r:id="rId29"/>
   </p:sldIdLst>
   <p:sldSz cx="9144000" cy="5143500" type="screen16x9"/>
   <p:notesSz cx="6858000" cy="9144000"/>
   <p:embeddedFontLst>
     <p:embeddedFont>
       <p:font typeface="Alexandria" panose="020B0604020202020204" charset="-78"/>
-      <p:regular r:id="rId32"/>
-      <p:bold r:id="rId33"/>
+      <p:regular r:id="rId31"/>
+      <p:bold r:id="rId32"/>
     </p:embeddedFont>
     <p:embeddedFont>
       <p:font typeface="Alexandria Light" panose="020B0604020202020204" charset="-78"/>
-      <p:regular r:id="rId34"/>
+      <p:regular r:id="rId33"/>
+      <p:bold r:id="rId34"/>
+    </p:embeddedFont>
+    <p:embeddedFont>
+      <p:font typeface="Anek Gurmukhi ExtraBold" panose="020B0604020202020204" charset="0"/>
       <p:bold r:id="rId35"/>
     </p:embeddedFont>
     <p:embeddedFont>
-      <p:font typeface="Anek Gurmukhi ExtraBold" panose="020B0604020202020204" charset="0"/>
-      <p:bold r:id="rId36"/>
-    </p:embeddedFont>
-    <p:embeddedFont>
       <p:font typeface="Nunito" pitchFamily="2" charset="0"/>
-      <p:regular r:id="rId37"/>
-      <p:bold r:id="rId38"/>
-      <p:italic r:id="rId39"/>
-      <p:boldItalic r:id="rId40"/>
+      <p:regular r:id="rId36"/>
+      <p:bold r:id="rId37"/>
+      <p:italic r:id="rId38"/>
+      <p:boldItalic r:id="rId39"/>
     </p:embeddedFont>
     <p:embeddedFont>
       <p:font typeface="Nunito Light" pitchFamily="2" charset="0"/>
-      <p:regular r:id="rId41"/>
-      <p:italic r:id="rId42"/>
+      <p:regular r:id="rId40"/>
+      <p:italic r:id="rId41"/>
     </p:embeddedFont>
     <p:embeddedFont>
       <p:font typeface="Proxima Nova" panose="020B0604020202020204" charset="0"/>
-      <p:regular r:id="rId43"/>
-      <p:bold r:id="rId44"/>
-      <p:italic r:id="rId45"/>
-      <p:boldItalic r:id="rId46"/>
+      <p:regular r:id="rId42"/>
+      <p:bold r:id="rId43"/>
+      <p:italic r:id="rId44"/>
+      <p:boldItalic r:id="rId45"/>
     </p:embeddedFont>
   </p:embeddedFontLst>
   <p:defaultTextStyle>
@@ -862,110 +861,6 @@
   <p:cSld>
     <p:spTree>
       <p:nvGrpSpPr>
-        <p:cNvPr id="1" name="Shape 516"/>
-        <p:cNvGrpSpPr/>
-        <p:nvPr/>
-      </p:nvGrpSpPr>
-      <p:grpSpPr>
-        <a:xfrm>
-          <a:off x="0" y="0"/>
-          <a:ext cx="0" cy="0"/>
-          <a:chOff x="0" y="0"/>
-          <a:chExt cx="0" cy="0"/>
-        </a:xfrm>
-      </p:grpSpPr>
-      <p:sp>
-        <p:nvSpPr>
-          <p:cNvPr id="517" name="Google Shape;517;g21da36f24ec_2_0:notes"/>
-          <p:cNvSpPr>
-            <a:spLocks noGrp="1" noRot="1" noChangeAspect="1"/>
-          </p:cNvSpPr>
-          <p:nvPr>
-            <p:ph type="sldImg" idx="2"/>
-          </p:nvPr>
-        </p:nvSpPr>
-        <p:spPr>
-          <a:xfrm>
-            <a:off x="381000" y="685800"/>
-            <a:ext cx="6096000" cy="3429000"/>
-          </a:xfrm>
-          <a:custGeom>
-            <a:avLst/>
-            <a:gdLst/>
-            <a:ahLst/>
-            <a:cxnLst/>
-            <a:rect l="l" t="t" r="r" b="b"/>
-            <a:pathLst>
-              <a:path w="120000" h="120000" extrusionOk="0">
-                <a:moveTo>
-                  <a:pt x="0" y="0"/>
-                </a:moveTo>
-                <a:lnTo>
-                  <a:pt x="120000" y="0"/>
-                </a:lnTo>
-                <a:lnTo>
-                  <a:pt x="120000" y="120000"/>
-                </a:lnTo>
-                <a:lnTo>
-                  <a:pt x="0" y="120000"/>
-                </a:lnTo>
-                <a:close/>
-              </a:path>
-            </a:pathLst>
-          </a:custGeom>
-        </p:spPr>
-      </p:sp>
-      <p:sp>
-        <p:nvSpPr>
-          <p:cNvPr id="518" name="Google Shape;518;g21da36f24ec_2_0:notes"/>
-          <p:cNvSpPr txBox="1">
-            <a:spLocks noGrp="1"/>
-          </p:cNvSpPr>
-          <p:nvPr>
-            <p:ph type="body" idx="1"/>
-          </p:nvPr>
-        </p:nvSpPr>
-        <p:spPr>
-          <a:xfrm>
-            <a:off x="685800" y="4343400"/>
-            <a:ext cx="5486400" cy="4114800"/>
-          </a:xfrm>
-          <a:prstGeom prst="rect">
-            <a:avLst/>
-          </a:prstGeom>
-        </p:spPr>
-        <p:txBody>
-          <a:bodyPr spcFirstLastPara="1" wrap="square" lIns="91425" tIns="91425" rIns="91425" bIns="91425" anchor="t" anchorCtr="0">
-            <a:noAutofit/>
-          </a:bodyPr>
-          <a:lstStyle/>
-          <a:p>
-            <a:pPr marL="0" lvl="0" indent="0" algn="l" rtl="0">
-              <a:spcBef>
-                <a:spcPts val="0"/>
-              </a:spcBef>
-              <a:spcAft>
-                <a:spcPts val="0"/>
-              </a:spcAft>
-              <a:buNone/>
-            </a:pPr>
-            <a:endParaRPr/>
-          </a:p>
-        </p:txBody>
-      </p:sp>
-    </p:spTree>
-  </p:cSld>
-  <p:clrMapOvr>
-    <a:masterClrMapping/>
-  </p:clrMapOvr>
-</p:notes>
-</file>
-
-<file path=ppt/notesSlides/notesSlide11.xml><?xml version="1.0" encoding="utf-8"?>
-<p:notes xmlns:a="http://schemas.openxmlformats.org/drawingml/2006/main" xmlns:r="http://schemas.openxmlformats.org/officeDocument/2006/relationships" xmlns:p="http://schemas.openxmlformats.org/presentationml/2006/main" showMasterSp="0" showMasterPhAnim="0">
-  <p:cSld>
-    <p:spTree>
-      <p:nvGrpSpPr>
         <p:cNvPr id="1" name="Shape 532"/>
         <p:cNvGrpSpPr/>
         <p:nvPr/>
@@ -1065,7 +960,7 @@
 </p:notes>
 </file>
 
-<file path=ppt/notesSlides/notesSlide12.xml><?xml version="1.0" encoding="utf-8"?>
+<file path=ppt/notesSlides/notesSlide11.xml><?xml version="1.0" encoding="utf-8"?>
 <p:notes xmlns:a="http://schemas.openxmlformats.org/drawingml/2006/main" xmlns:r="http://schemas.openxmlformats.org/officeDocument/2006/relationships" xmlns:p="http://schemas.openxmlformats.org/presentationml/2006/main" showMasterSp="0" showMasterPhAnim="0">
   <p:cSld>
     <p:spTree>
@@ -1169,7 +1064,7 @@
 </p:notes>
 </file>
 
-<file path=ppt/notesSlides/notesSlide13.xml><?xml version="1.0" encoding="utf-8"?>
+<file path=ppt/notesSlides/notesSlide12.xml><?xml version="1.0" encoding="utf-8"?>
 <p:notes xmlns:a="http://schemas.openxmlformats.org/drawingml/2006/main" xmlns:r="http://schemas.openxmlformats.org/officeDocument/2006/relationships" xmlns:p="http://schemas.openxmlformats.org/presentationml/2006/main" showMasterSp="0" showMasterPhAnim="0">
   <p:cSld>
     <p:spTree>
@@ -1273,7 +1168,7 @@
 </p:notes>
 </file>
 
-<file path=ppt/notesSlides/notesSlide14.xml><?xml version="1.0" encoding="utf-8"?>
+<file path=ppt/notesSlides/notesSlide13.xml><?xml version="1.0" encoding="utf-8"?>
 <p:notes xmlns:a="http://schemas.openxmlformats.org/drawingml/2006/main" xmlns:r="http://schemas.openxmlformats.org/officeDocument/2006/relationships" xmlns:p="http://schemas.openxmlformats.org/presentationml/2006/main" showMasterSp="0" showMasterPhAnim="0">
   <p:cSld>
     <p:spTree>
@@ -1377,7 +1272,7 @@
 </p:notes>
 </file>
 
-<file path=ppt/notesSlides/notesSlide15.xml><?xml version="1.0" encoding="utf-8"?>
+<file path=ppt/notesSlides/notesSlide14.xml><?xml version="1.0" encoding="utf-8"?>
 <p:notes xmlns:a="http://schemas.openxmlformats.org/drawingml/2006/main" xmlns:r="http://schemas.openxmlformats.org/officeDocument/2006/relationships" xmlns:p="http://schemas.openxmlformats.org/presentationml/2006/main" showMasterSp="0" showMasterPhAnim="0">
   <p:cSld>
     <p:spTree>
@@ -1481,7 +1376,7 @@
 </p:notes>
 </file>
 
-<file path=ppt/notesSlides/notesSlide16.xml><?xml version="1.0" encoding="utf-8"?>
+<file path=ppt/notesSlides/notesSlide15.xml><?xml version="1.0" encoding="utf-8"?>
 <p:notes xmlns:a="http://schemas.openxmlformats.org/drawingml/2006/main" xmlns:r="http://schemas.openxmlformats.org/officeDocument/2006/relationships" xmlns:p="http://schemas.openxmlformats.org/presentationml/2006/main" showMasterSp="0" showMasterPhAnim="0">
   <p:cSld>
     <p:spTree>
@@ -1585,7 +1480,7 @@
 </p:notes>
 </file>
 
-<file path=ppt/notesSlides/notesSlide17.xml><?xml version="1.0" encoding="utf-8"?>
+<file path=ppt/notesSlides/notesSlide16.xml><?xml version="1.0" encoding="utf-8"?>
 <p:notes xmlns:a="http://schemas.openxmlformats.org/drawingml/2006/main" xmlns:r="http://schemas.openxmlformats.org/officeDocument/2006/relationships" xmlns:p="http://schemas.openxmlformats.org/presentationml/2006/main" showMasterSp="0" showMasterPhAnim="0">
   <p:cSld>
     <p:spTree>
@@ -1689,7 +1584,7 @@
 </p:notes>
 </file>
 
-<file path=ppt/notesSlides/notesSlide18.xml><?xml version="1.0" encoding="utf-8"?>
+<file path=ppt/notesSlides/notesSlide17.xml><?xml version="1.0" encoding="utf-8"?>
 <p:notes xmlns:a="http://schemas.openxmlformats.org/drawingml/2006/main" xmlns:r="http://schemas.openxmlformats.org/officeDocument/2006/relationships" xmlns:p="http://schemas.openxmlformats.org/presentationml/2006/main" showMasterSp="0" showMasterPhAnim="0">
   <p:cSld>
     <p:spTree>
@@ -1793,7 +1688,7 @@
 </p:notes>
 </file>
 
-<file path=ppt/notesSlides/notesSlide19.xml><?xml version="1.0" encoding="utf-8"?>
+<file path=ppt/notesSlides/notesSlide18.xml><?xml version="1.0" encoding="utf-8"?>
 <p:notes xmlns:a="http://schemas.openxmlformats.org/drawingml/2006/main" xmlns:r="http://schemas.openxmlformats.org/officeDocument/2006/relationships" xmlns:p="http://schemas.openxmlformats.org/presentationml/2006/main" showMasterSp="0" showMasterPhAnim="0">
   <p:cSld>
     <p:spTree>
@@ -1854,6 +1749,110 @@
       <p:sp>
         <p:nvSpPr>
           <p:cNvPr id="625" name="Google Shape;625;g23dbc6f4d06_0_418:notes"/>
+          <p:cNvSpPr txBox="1">
+            <a:spLocks noGrp="1"/>
+          </p:cNvSpPr>
+          <p:nvPr>
+            <p:ph type="body" idx="1"/>
+          </p:nvPr>
+        </p:nvSpPr>
+        <p:spPr>
+          <a:xfrm>
+            <a:off x="685800" y="4343400"/>
+            <a:ext cx="5486400" cy="4114800"/>
+          </a:xfrm>
+          <a:prstGeom prst="rect">
+            <a:avLst/>
+          </a:prstGeom>
+        </p:spPr>
+        <p:txBody>
+          <a:bodyPr spcFirstLastPara="1" wrap="square" lIns="91425" tIns="91425" rIns="91425" bIns="91425" anchor="t" anchorCtr="0">
+            <a:noAutofit/>
+          </a:bodyPr>
+          <a:lstStyle/>
+          <a:p>
+            <a:pPr marL="0" lvl="0" indent="0" algn="l" rtl="0">
+              <a:spcBef>
+                <a:spcPts val="0"/>
+              </a:spcBef>
+              <a:spcAft>
+                <a:spcPts val="0"/>
+              </a:spcAft>
+              <a:buNone/>
+            </a:pPr>
+            <a:endParaRPr/>
+          </a:p>
+        </p:txBody>
+      </p:sp>
+    </p:spTree>
+  </p:cSld>
+  <p:clrMapOvr>
+    <a:masterClrMapping/>
+  </p:clrMapOvr>
+</p:notes>
+</file>
+
+<file path=ppt/notesSlides/notesSlide19.xml><?xml version="1.0" encoding="utf-8"?>
+<p:notes xmlns:a="http://schemas.openxmlformats.org/drawingml/2006/main" xmlns:r="http://schemas.openxmlformats.org/officeDocument/2006/relationships" xmlns:p="http://schemas.openxmlformats.org/presentationml/2006/main" showMasterSp="0" showMasterPhAnim="0">
+  <p:cSld>
+    <p:spTree>
+      <p:nvGrpSpPr>
+        <p:cNvPr id="1" name="Shape 643"/>
+        <p:cNvGrpSpPr/>
+        <p:nvPr/>
+      </p:nvGrpSpPr>
+      <p:grpSpPr>
+        <a:xfrm>
+          <a:off x="0" y="0"/>
+          <a:ext cx="0" cy="0"/>
+          <a:chOff x="0" y="0"/>
+          <a:chExt cx="0" cy="0"/>
+        </a:xfrm>
+      </p:grpSpPr>
+      <p:sp>
+        <p:nvSpPr>
+          <p:cNvPr id="644" name="Google Shape;644;g23dbc6f4d06_0_456:notes"/>
+          <p:cNvSpPr>
+            <a:spLocks noGrp="1" noRot="1" noChangeAspect="1"/>
+          </p:cNvSpPr>
+          <p:nvPr>
+            <p:ph type="sldImg" idx="2"/>
+          </p:nvPr>
+        </p:nvSpPr>
+        <p:spPr>
+          <a:xfrm>
+            <a:off x="381000" y="685800"/>
+            <a:ext cx="6096000" cy="3429000"/>
+          </a:xfrm>
+          <a:custGeom>
+            <a:avLst/>
+            <a:gdLst/>
+            <a:ahLst/>
+            <a:cxnLst/>
+            <a:rect l="l" t="t" r="r" b="b"/>
+            <a:pathLst>
+              <a:path w="120000" h="120000" extrusionOk="0">
+                <a:moveTo>
+                  <a:pt x="0" y="0"/>
+                </a:moveTo>
+                <a:lnTo>
+                  <a:pt x="120000" y="0"/>
+                </a:lnTo>
+                <a:lnTo>
+                  <a:pt x="120000" y="120000"/>
+                </a:lnTo>
+                <a:lnTo>
+                  <a:pt x="0" y="120000"/>
+                </a:lnTo>
+                <a:close/>
+              </a:path>
+            </a:pathLst>
+          </a:custGeom>
+        </p:spPr>
+      </p:sp>
+      <p:sp>
+        <p:nvSpPr>
+          <p:cNvPr id="645" name="Google Shape;645;g23dbc6f4d06_0_456:notes"/>
           <p:cNvSpPr txBox="1">
             <a:spLocks noGrp="1"/>
           </p:cNvSpPr>
@@ -2006,110 +2005,6 @@
   <p:cSld>
     <p:spTree>
       <p:nvGrpSpPr>
-        <p:cNvPr id="1" name="Shape 643"/>
-        <p:cNvGrpSpPr/>
-        <p:nvPr/>
-      </p:nvGrpSpPr>
-      <p:grpSpPr>
-        <a:xfrm>
-          <a:off x="0" y="0"/>
-          <a:ext cx="0" cy="0"/>
-          <a:chOff x="0" y="0"/>
-          <a:chExt cx="0" cy="0"/>
-        </a:xfrm>
-      </p:grpSpPr>
-      <p:sp>
-        <p:nvSpPr>
-          <p:cNvPr id="644" name="Google Shape;644;g23dbc6f4d06_0_456:notes"/>
-          <p:cNvSpPr>
-            <a:spLocks noGrp="1" noRot="1" noChangeAspect="1"/>
-          </p:cNvSpPr>
-          <p:nvPr>
-            <p:ph type="sldImg" idx="2"/>
-          </p:nvPr>
-        </p:nvSpPr>
-        <p:spPr>
-          <a:xfrm>
-            <a:off x="381000" y="685800"/>
-            <a:ext cx="6096000" cy="3429000"/>
-          </a:xfrm>
-          <a:custGeom>
-            <a:avLst/>
-            <a:gdLst/>
-            <a:ahLst/>
-            <a:cxnLst/>
-            <a:rect l="l" t="t" r="r" b="b"/>
-            <a:pathLst>
-              <a:path w="120000" h="120000" extrusionOk="0">
-                <a:moveTo>
-                  <a:pt x="0" y="0"/>
-                </a:moveTo>
-                <a:lnTo>
-                  <a:pt x="120000" y="0"/>
-                </a:lnTo>
-                <a:lnTo>
-                  <a:pt x="120000" y="120000"/>
-                </a:lnTo>
-                <a:lnTo>
-                  <a:pt x="0" y="120000"/>
-                </a:lnTo>
-                <a:close/>
-              </a:path>
-            </a:pathLst>
-          </a:custGeom>
-        </p:spPr>
-      </p:sp>
-      <p:sp>
-        <p:nvSpPr>
-          <p:cNvPr id="645" name="Google Shape;645;g23dbc6f4d06_0_456:notes"/>
-          <p:cNvSpPr txBox="1">
-            <a:spLocks noGrp="1"/>
-          </p:cNvSpPr>
-          <p:nvPr>
-            <p:ph type="body" idx="1"/>
-          </p:nvPr>
-        </p:nvSpPr>
-        <p:spPr>
-          <a:xfrm>
-            <a:off x="685800" y="4343400"/>
-            <a:ext cx="5486400" cy="4114800"/>
-          </a:xfrm>
-          <a:prstGeom prst="rect">
-            <a:avLst/>
-          </a:prstGeom>
-        </p:spPr>
-        <p:txBody>
-          <a:bodyPr spcFirstLastPara="1" wrap="square" lIns="91425" tIns="91425" rIns="91425" bIns="91425" anchor="t" anchorCtr="0">
-            <a:noAutofit/>
-          </a:bodyPr>
-          <a:lstStyle/>
-          <a:p>
-            <a:pPr marL="0" lvl="0" indent="0" algn="l" rtl="0">
-              <a:spcBef>
-                <a:spcPts val="0"/>
-              </a:spcBef>
-              <a:spcAft>
-                <a:spcPts val="0"/>
-              </a:spcAft>
-              <a:buNone/>
-            </a:pPr>
-            <a:endParaRPr/>
-          </a:p>
-        </p:txBody>
-      </p:sp>
-    </p:spTree>
-  </p:cSld>
-  <p:clrMapOvr>
-    <a:masterClrMapping/>
-  </p:clrMapOvr>
-</p:notes>
-</file>
-
-<file path=ppt/notesSlides/notesSlide21.xml><?xml version="1.0" encoding="utf-8"?>
-<p:notes xmlns:a="http://schemas.openxmlformats.org/drawingml/2006/main" xmlns:r="http://schemas.openxmlformats.org/officeDocument/2006/relationships" xmlns:p="http://schemas.openxmlformats.org/presentationml/2006/main" showMasterSp="0" showMasterPhAnim="0">
-  <p:cSld>
-    <p:spTree>
-      <p:nvGrpSpPr>
         <p:cNvPr id="1" name="Shape 659"/>
         <p:cNvGrpSpPr/>
         <p:nvPr/>
@@ -2209,7 +2104,7 @@
 </p:notes>
 </file>
 
-<file path=ppt/notesSlides/notesSlide22.xml><?xml version="1.0" encoding="utf-8"?>
+<file path=ppt/notesSlides/notesSlide21.xml><?xml version="1.0" encoding="utf-8"?>
 <p:notes xmlns:a="http://schemas.openxmlformats.org/drawingml/2006/main" xmlns:r="http://schemas.openxmlformats.org/officeDocument/2006/relationships" xmlns:p="http://schemas.openxmlformats.org/presentationml/2006/main" showMasterSp="0" showMasterPhAnim="0">
   <p:cSld>
     <p:spTree>
@@ -2313,7 +2208,7 @@
 </p:notes>
 </file>
 
-<file path=ppt/notesSlides/notesSlide23.xml><?xml version="1.0" encoding="utf-8"?>
+<file path=ppt/notesSlides/notesSlide22.xml><?xml version="1.0" encoding="utf-8"?>
 <p:notes xmlns:a="http://schemas.openxmlformats.org/drawingml/2006/main" xmlns:r="http://schemas.openxmlformats.org/officeDocument/2006/relationships" xmlns:p="http://schemas.openxmlformats.org/presentationml/2006/main" showMasterSp="0" showMasterPhAnim="0">
   <p:cSld>
     <p:spTree>
@@ -2417,7 +2312,7 @@
 </p:notes>
 </file>
 
-<file path=ppt/notesSlides/notesSlide24.xml><?xml version="1.0" encoding="utf-8"?>
+<file path=ppt/notesSlides/notesSlide23.xml><?xml version="1.0" encoding="utf-8"?>
 <p:notes xmlns:a="http://schemas.openxmlformats.org/drawingml/2006/main" xmlns:r="http://schemas.openxmlformats.org/officeDocument/2006/relationships" xmlns:p="http://schemas.openxmlformats.org/presentationml/2006/main" showMasterSp="0" showMasterPhAnim="0">
   <p:cSld>
     <p:spTree>
@@ -2521,7 +2416,7 @@
 </p:notes>
 </file>
 
-<file path=ppt/notesSlides/notesSlide25.xml><?xml version="1.0" encoding="utf-8"?>
+<file path=ppt/notesSlides/notesSlide24.xml><?xml version="1.0" encoding="utf-8"?>
 <p:notes xmlns:a="http://schemas.openxmlformats.org/drawingml/2006/main" xmlns:r="http://schemas.openxmlformats.org/officeDocument/2006/relationships" xmlns:p="http://schemas.openxmlformats.org/presentationml/2006/main" showMasterSp="0" showMasterPhAnim="0">
   <p:cSld>
     <p:spTree>
@@ -2625,7 +2520,7 @@
 </p:notes>
 </file>
 
-<file path=ppt/notesSlides/notesSlide26.xml><?xml version="1.0" encoding="utf-8"?>
+<file path=ppt/notesSlides/notesSlide25.xml><?xml version="1.0" encoding="utf-8"?>
 <p:notes xmlns:a="http://schemas.openxmlformats.org/drawingml/2006/main" xmlns:r="http://schemas.openxmlformats.org/officeDocument/2006/relationships" xmlns:p="http://schemas.openxmlformats.org/presentationml/2006/main" showMasterSp="0" showMasterPhAnim="0">
   <p:cSld>
     <p:spTree>
@@ -2729,7 +2624,7 @@
 </p:notes>
 </file>
 
-<file path=ppt/notesSlides/notesSlide27.xml><?xml version="1.0" encoding="utf-8"?>
+<file path=ppt/notesSlides/notesSlide26.xml><?xml version="1.0" encoding="utf-8"?>
 <p:notes xmlns:a="http://schemas.openxmlformats.org/drawingml/2006/main" xmlns:r="http://schemas.openxmlformats.org/officeDocument/2006/relationships" xmlns:p="http://schemas.openxmlformats.org/presentationml/2006/main" showMasterSp="0" showMasterPhAnim="0">
   <p:cSld>
     <p:spTree>
@@ -2833,7 +2728,7 @@
 </p:notes>
 </file>
 
-<file path=ppt/notesSlides/notesSlide28.xml><?xml version="1.0" encoding="utf-8"?>
+<file path=ppt/notesSlides/notesSlide27.xml><?xml version="1.0" encoding="utf-8"?>
 <p:notes xmlns:a="http://schemas.openxmlformats.org/drawingml/2006/main" xmlns:r="http://schemas.openxmlformats.org/officeDocument/2006/relationships" xmlns:p="http://schemas.openxmlformats.org/presentationml/2006/main" showMasterSp="0" showMasterPhAnim="0">
   <p:cSld>
     <p:spTree>
@@ -3358,110 +3253,6 @@
   <p:cSld>
     <p:spTree>
       <p:nvGrpSpPr>
-        <p:cNvPr id="1" name="Shape 466"/>
-        <p:cNvGrpSpPr/>
-        <p:nvPr/>
-      </p:nvGrpSpPr>
-      <p:grpSpPr>
-        <a:xfrm>
-          <a:off x="0" y="0"/>
-          <a:ext cx="0" cy="0"/>
-          <a:chOff x="0" y="0"/>
-          <a:chExt cx="0" cy="0"/>
-        </a:xfrm>
-      </p:grpSpPr>
-      <p:sp>
-        <p:nvSpPr>
-          <p:cNvPr id="467" name="Google Shape;467;g23dbc6f4d06_0_44:notes"/>
-          <p:cNvSpPr>
-            <a:spLocks noGrp="1" noRot="1" noChangeAspect="1"/>
-          </p:cNvSpPr>
-          <p:nvPr>
-            <p:ph type="sldImg" idx="2"/>
-          </p:nvPr>
-        </p:nvSpPr>
-        <p:spPr>
-          <a:xfrm>
-            <a:off x="381000" y="685800"/>
-            <a:ext cx="6096000" cy="3429000"/>
-          </a:xfrm>
-          <a:custGeom>
-            <a:avLst/>
-            <a:gdLst/>
-            <a:ahLst/>
-            <a:cxnLst/>
-            <a:rect l="l" t="t" r="r" b="b"/>
-            <a:pathLst>
-              <a:path w="120000" h="120000" extrusionOk="0">
-                <a:moveTo>
-                  <a:pt x="0" y="0"/>
-                </a:moveTo>
-                <a:lnTo>
-                  <a:pt x="120000" y="0"/>
-                </a:lnTo>
-                <a:lnTo>
-                  <a:pt x="120000" y="120000"/>
-                </a:lnTo>
-                <a:lnTo>
-                  <a:pt x="0" y="120000"/>
-                </a:lnTo>
-                <a:close/>
-              </a:path>
-            </a:pathLst>
-          </a:custGeom>
-        </p:spPr>
-      </p:sp>
-      <p:sp>
-        <p:nvSpPr>
-          <p:cNvPr id="468" name="Google Shape;468;g23dbc6f4d06_0_44:notes"/>
-          <p:cNvSpPr txBox="1">
-            <a:spLocks noGrp="1"/>
-          </p:cNvSpPr>
-          <p:nvPr>
-            <p:ph type="body" idx="1"/>
-          </p:nvPr>
-        </p:nvSpPr>
-        <p:spPr>
-          <a:xfrm>
-            <a:off x="685800" y="4343400"/>
-            <a:ext cx="5486400" cy="4114800"/>
-          </a:xfrm>
-          <a:prstGeom prst="rect">
-            <a:avLst/>
-          </a:prstGeom>
-        </p:spPr>
-        <p:txBody>
-          <a:bodyPr spcFirstLastPara="1" wrap="square" lIns="91425" tIns="91425" rIns="91425" bIns="91425" anchor="t" anchorCtr="0">
-            <a:noAutofit/>
-          </a:bodyPr>
-          <a:lstStyle/>
-          <a:p>
-            <a:pPr marL="0" lvl="0" indent="0" algn="l" rtl="0">
-              <a:spcBef>
-                <a:spcPts val="0"/>
-              </a:spcBef>
-              <a:spcAft>
-                <a:spcPts val="0"/>
-              </a:spcAft>
-              <a:buNone/>
-            </a:pPr>
-            <a:endParaRPr/>
-          </a:p>
-        </p:txBody>
-      </p:sp>
-    </p:spTree>
-  </p:cSld>
-  <p:clrMapOvr>
-    <a:masterClrMapping/>
-  </p:clrMapOvr>
-</p:notes>
-</file>
-
-<file path=ppt/notesSlides/notesSlide8.xml><?xml version="1.0" encoding="utf-8"?>
-<p:notes xmlns:a="http://schemas.openxmlformats.org/drawingml/2006/main" xmlns:r="http://schemas.openxmlformats.org/officeDocument/2006/relationships" xmlns:p="http://schemas.openxmlformats.org/presentationml/2006/main" showMasterSp="0" showMasterPhAnim="0">
-  <p:cSld>
-    <p:spTree>
-      <p:nvGrpSpPr>
         <p:cNvPr id="1" name="Shape 482"/>
         <p:cNvGrpSpPr/>
         <p:nvPr/>
@@ -3561,7 +3352,7 @@
 </p:notes>
 </file>
 
-<file path=ppt/notesSlides/notesSlide9.xml><?xml version="1.0" encoding="utf-8"?>
+<file path=ppt/notesSlides/notesSlide8.xml><?xml version="1.0" encoding="utf-8"?>
 <p:notes xmlns:a="http://schemas.openxmlformats.org/drawingml/2006/main" xmlns:r="http://schemas.openxmlformats.org/officeDocument/2006/relationships" xmlns:p="http://schemas.openxmlformats.org/presentationml/2006/main" showMasterSp="0" showMasterPhAnim="0">
   <p:cSld>
     <p:spTree>
@@ -3622,6 +3413,110 @@
       <p:sp>
         <p:nvSpPr>
           <p:cNvPr id="503" name="Google Shape;503;g23dbc6f4d06_0_67:notes"/>
+          <p:cNvSpPr txBox="1">
+            <a:spLocks noGrp="1"/>
+          </p:cNvSpPr>
+          <p:nvPr>
+            <p:ph type="body" idx="1"/>
+          </p:nvPr>
+        </p:nvSpPr>
+        <p:spPr>
+          <a:xfrm>
+            <a:off x="685800" y="4343400"/>
+            <a:ext cx="5486400" cy="4114800"/>
+          </a:xfrm>
+          <a:prstGeom prst="rect">
+            <a:avLst/>
+          </a:prstGeom>
+        </p:spPr>
+        <p:txBody>
+          <a:bodyPr spcFirstLastPara="1" wrap="square" lIns="91425" tIns="91425" rIns="91425" bIns="91425" anchor="t" anchorCtr="0">
+            <a:noAutofit/>
+          </a:bodyPr>
+          <a:lstStyle/>
+          <a:p>
+            <a:pPr marL="0" lvl="0" indent="0" algn="l" rtl="0">
+              <a:spcBef>
+                <a:spcPts val="0"/>
+              </a:spcBef>
+              <a:spcAft>
+                <a:spcPts val="0"/>
+              </a:spcAft>
+              <a:buNone/>
+            </a:pPr>
+            <a:endParaRPr/>
+          </a:p>
+        </p:txBody>
+      </p:sp>
+    </p:spTree>
+  </p:cSld>
+  <p:clrMapOvr>
+    <a:masterClrMapping/>
+  </p:clrMapOvr>
+</p:notes>
+</file>
+
+<file path=ppt/notesSlides/notesSlide9.xml><?xml version="1.0" encoding="utf-8"?>
+<p:notes xmlns:a="http://schemas.openxmlformats.org/drawingml/2006/main" xmlns:r="http://schemas.openxmlformats.org/officeDocument/2006/relationships" xmlns:p="http://schemas.openxmlformats.org/presentationml/2006/main" showMasterSp="0" showMasterPhAnim="0">
+  <p:cSld>
+    <p:spTree>
+      <p:nvGrpSpPr>
+        <p:cNvPr id="1" name="Shape 516"/>
+        <p:cNvGrpSpPr/>
+        <p:nvPr/>
+      </p:nvGrpSpPr>
+      <p:grpSpPr>
+        <a:xfrm>
+          <a:off x="0" y="0"/>
+          <a:ext cx="0" cy="0"/>
+          <a:chOff x="0" y="0"/>
+          <a:chExt cx="0" cy="0"/>
+        </a:xfrm>
+      </p:grpSpPr>
+      <p:sp>
+        <p:nvSpPr>
+          <p:cNvPr id="517" name="Google Shape;517;g21da36f24ec_2_0:notes"/>
+          <p:cNvSpPr>
+            <a:spLocks noGrp="1" noRot="1" noChangeAspect="1"/>
+          </p:cNvSpPr>
+          <p:nvPr>
+            <p:ph type="sldImg" idx="2"/>
+          </p:nvPr>
+        </p:nvSpPr>
+        <p:spPr>
+          <a:xfrm>
+            <a:off x="381000" y="685800"/>
+            <a:ext cx="6096000" cy="3429000"/>
+          </a:xfrm>
+          <a:custGeom>
+            <a:avLst/>
+            <a:gdLst/>
+            <a:ahLst/>
+            <a:cxnLst/>
+            <a:rect l="l" t="t" r="r" b="b"/>
+            <a:pathLst>
+              <a:path w="120000" h="120000" extrusionOk="0">
+                <a:moveTo>
+                  <a:pt x="0" y="0"/>
+                </a:moveTo>
+                <a:lnTo>
+                  <a:pt x="120000" y="0"/>
+                </a:lnTo>
+                <a:lnTo>
+                  <a:pt x="120000" y="120000"/>
+                </a:lnTo>
+                <a:lnTo>
+                  <a:pt x="0" y="120000"/>
+                </a:lnTo>
+                <a:close/>
+              </a:path>
+            </a:pathLst>
+          </a:custGeom>
+        </p:spPr>
+      </p:sp>
+      <p:sp>
+        <p:nvSpPr>
+          <p:cNvPr id="518" name="Google Shape;518;g21da36f24ec_2_0:notes"/>
           <p:cNvSpPr txBox="1">
             <a:spLocks noGrp="1"/>
           </p:cNvSpPr>
@@ -27776,981 +27671,6 @@
   <p:cSld>
     <p:spTree>
       <p:nvGrpSpPr>
-        <p:cNvPr id="1" name="Shape 519"/>
-        <p:cNvGrpSpPr/>
-        <p:nvPr/>
-      </p:nvGrpSpPr>
-      <p:grpSpPr>
-        <a:xfrm>
-          <a:off x="0" y="0"/>
-          <a:ext cx="0" cy="0"/>
-          <a:chOff x="0" y="0"/>
-          <a:chExt cx="0" cy="0"/>
-        </a:xfrm>
-      </p:grpSpPr>
-      <p:sp>
-        <p:nvSpPr>
-          <p:cNvPr id="520" name="Google Shape;520;p47"/>
-          <p:cNvSpPr txBox="1">
-            <a:spLocks noGrp="1"/>
-          </p:cNvSpPr>
-          <p:nvPr>
-            <p:ph type="subTitle" idx="2"/>
-          </p:nvPr>
-        </p:nvSpPr>
-        <p:spPr>
-          <a:xfrm>
-            <a:off x="4805225" y="1854500"/>
-            <a:ext cx="3625500" cy="331500"/>
-          </a:xfrm>
-          <a:prstGeom prst="rect">
-            <a:avLst/>
-          </a:prstGeom>
-        </p:spPr>
-        <p:txBody>
-          <a:bodyPr spcFirstLastPara="1" wrap="square" lIns="91425" tIns="91425" rIns="91425" bIns="91425" anchor="b" anchorCtr="0">
-            <a:noAutofit/>
-          </a:bodyPr>
-          <a:lstStyle/>
-          <a:p>
-            <a:pPr marL="0" lvl="0" indent="0" algn="ctr" rtl="0">
-              <a:spcBef>
-                <a:spcPts val="0"/>
-              </a:spcBef>
-              <a:spcAft>
-                <a:spcPts val="0"/>
-              </a:spcAft>
-              <a:buNone/>
-            </a:pPr>
-            <a:r>
-              <a:rPr lang="en" sz="2100"/>
-              <a:t>Comestible</a:t>
-            </a:r>
-            <a:endParaRPr sz="2100"/>
-          </a:p>
-        </p:txBody>
-      </p:sp>
-      <p:sp>
-        <p:nvSpPr>
-          <p:cNvPr id="521" name="Google Shape;521;p47"/>
-          <p:cNvSpPr txBox="1">
-            <a:spLocks noGrp="1"/>
-          </p:cNvSpPr>
-          <p:nvPr>
-            <p:ph type="subTitle" idx="3"/>
-          </p:nvPr>
-        </p:nvSpPr>
-        <p:spPr>
-          <a:xfrm>
-            <a:off x="713225" y="1854500"/>
-            <a:ext cx="3625500" cy="331500"/>
-          </a:xfrm>
-          <a:prstGeom prst="rect">
-            <a:avLst/>
-          </a:prstGeom>
-        </p:spPr>
-        <p:txBody>
-          <a:bodyPr spcFirstLastPara="1" wrap="square" lIns="91425" tIns="91425" rIns="91425" bIns="91425" anchor="b" anchorCtr="0">
-            <a:noAutofit/>
-          </a:bodyPr>
-          <a:lstStyle/>
-          <a:p>
-            <a:pPr marL="0" lvl="0" indent="0" algn="ctr" rtl="0">
-              <a:spcBef>
-                <a:spcPts val="0"/>
-              </a:spcBef>
-              <a:spcAft>
-                <a:spcPts val="0"/>
-              </a:spcAft>
-              <a:buNone/>
-            </a:pPr>
-            <a:r>
-              <a:rPr lang="en" sz="2100"/>
-              <a:t>Venenosa</a:t>
-            </a:r>
-            <a:endParaRPr sz="2100"/>
-          </a:p>
-        </p:txBody>
-      </p:sp>
-      <p:cxnSp>
-        <p:nvCxnSpPr>
-          <p:cNvPr id="522" name="Google Shape;522;p47">
-            <a:hlinkClick r:id="" action="ppaction://hlinkshowjump?jump=nextslide"/>
-          </p:cNvPr>
-          <p:cNvCxnSpPr/>
-          <p:nvPr/>
-        </p:nvCxnSpPr>
-        <p:spPr>
-          <a:xfrm>
-            <a:off x="8630950" y="275125"/>
-            <a:ext cx="286800" cy="0"/>
-          </a:xfrm>
-          <a:prstGeom prst="straightConnector1">
-            <a:avLst/>
-          </a:prstGeom>
-          <a:noFill/>
-          <a:ln w="9525" cap="flat" cmpd="sng">
-            <a:solidFill>
-              <a:schemeClr val="lt2"/>
-            </a:solidFill>
-            <a:prstDash val="solid"/>
-            <a:round/>
-            <a:headEnd type="none" w="med" len="med"/>
-            <a:tailEnd type="triangle" w="med" len="med"/>
-          </a:ln>
-        </p:spPr>
-      </p:cxnSp>
-      <p:cxnSp>
-        <p:nvCxnSpPr>
-          <p:cNvPr id="523" name="Google Shape;523;p47">
-            <a:hlinkClick r:id="" action="ppaction://hlinkshowjump?jump=previousslide"/>
-          </p:cNvPr>
-          <p:cNvCxnSpPr/>
-          <p:nvPr/>
-        </p:nvCxnSpPr>
-        <p:spPr>
-          <a:xfrm rot="10800000">
-            <a:off x="213075" y="275125"/>
-            <a:ext cx="286800" cy="0"/>
-          </a:xfrm>
-          <a:prstGeom prst="straightConnector1">
-            <a:avLst/>
-          </a:prstGeom>
-          <a:noFill/>
-          <a:ln w="9525" cap="flat" cmpd="sng">
-            <a:solidFill>
-              <a:schemeClr val="lt2"/>
-            </a:solidFill>
-            <a:prstDash val="solid"/>
-            <a:round/>
-            <a:headEnd type="none" w="med" len="med"/>
-            <a:tailEnd type="triangle" w="med" len="med"/>
-          </a:ln>
-        </p:spPr>
-      </p:cxnSp>
-      <p:sp>
-        <p:nvSpPr>
-          <p:cNvPr id="524" name="Google Shape;524;p47"/>
-          <p:cNvSpPr txBox="1">
-            <a:spLocks noGrp="1"/>
-          </p:cNvSpPr>
-          <p:nvPr>
-            <p:ph type="title"/>
-          </p:nvPr>
-        </p:nvSpPr>
-        <p:spPr>
-          <a:xfrm>
-            <a:off x="713225" y="537650"/>
-            <a:ext cx="7717500" cy="572700"/>
-          </a:xfrm>
-          <a:prstGeom prst="rect">
-            <a:avLst/>
-          </a:prstGeom>
-        </p:spPr>
-        <p:txBody>
-          <a:bodyPr spcFirstLastPara="1" wrap="square" lIns="91425" tIns="91425" rIns="91425" bIns="91425" anchor="ctr" anchorCtr="0">
-            <a:noAutofit/>
-          </a:bodyPr>
-          <a:lstStyle/>
-          <a:p>
-            <a:pPr marL="0" lvl="0" indent="0" algn="ctr" rtl="0">
-              <a:spcBef>
-                <a:spcPts val="0"/>
-              </a:spcBef>
-              <a:spcAft>
-                <a:spcPts val="0"/>
-              </a:spcAft>
-              <a:buNone/>
-            </a:pPr>
-            <a:r>
-              <a:rPr lang="en"/>
-              <a:t>Clasificación de setas</a:t>
-            </a:r>
-            <a:endParaRPr/>
-          </a:p>
-        </p:txBody>
-      </p:sp>
-      <p:grpSp>
-        <p:nvGrpSpPr>
-          <p:cNvPr id="525" name="Google Shape;525;p47"/>
-          <p:cNvGrpSpPr/>
-          <p:nvPr/>
-        </p:nvGrpSpPr>
-        <p:grpSpPr>
-          <a:xfrm>
-            <a:off x="6426166" y="1296292"/>
-            <a:ext cx="452867" cy="372255"/>
-            <a:chOff x="5216456" y="3725484"/>
-            <a:chExt cx="356196" cy="265631"/>
-          </a:xfrm>
-        </p:grpSpPr>
-        <p:sp>
-          <p:nvSpPr>
-            <p:cNvPr id="526" name="Google Shape;526;p47"/>
-            <p:cNvSpPr/>
-            <p:nvPr/>
-          </p:nvSpPr>
-          <p:spPr>
-            <a:xfrm>
-              <a:off x="5216456" y="3814335"/>
-              <a:ext cx="296465" cy="176780"/>
-            </a:xfrm>
-            <a:custGeom>
-              <a:avLst/>
-              <a:gdLst/>
-              <a:ahLst/>
-              <a:cxnLst/>
-              <a:rect l="l" t="t" r="r" b="b"/>
-              <a:pathLst>
-                <a:path w="9336" h="5567" extrusionOk="0">
-                  <a:moveTo>
-                    <a:pt x="1876" y="0"/>
-                  </a:moveTo>
-                  <a:cubicBezTo>
-                    <a:pt x="1831" y="0"/>
-                    <a:pt x="1787" y="18"/>
-                    <a:pt x="1751" y="54"/>
-                  </a:cubicBezTo>
-                  <a:lnTo>
-                    <a:pt x="84" y="1721"/>
-                  </a:lnTo>
-                  <a:cubicBezTo>
-                    <a:pt x="1" y="1804"/>
-                    <a:pt x="1" y="1899"/>
-                    <a:pt x="84" y="1983"/>
-                  </a:cubicBezTo>
-                  <a:lnTo>
-                    <a:pt x="3263" y="5162"/>
-                  </a:lnTo>
-                  <a:cubicBezTo>
-                    <a:pt x="3513" y="5412"/>
-                    <a:pt x="3858" y="5566"/>
-                    <a:pt x="4215" y="5566"/>
-                  </a:cubicBezTo>
-                  <a:cubicBezTo>
-                    <a:pt x="4573" y="5566"/>
-                    <a:pt x="4918" y="5435"/>
-                    <a:pt x="5168" y="5162"/>
-                  </a:cubicBezTo>
-                  <a:lnTo>
-                    <a:pt x="9252" y="1090"/>
-                  </a:lnTo>
-                  <a:cubicBezTo>
-                    <a:pt x="9335" y="1006"/>
-                    <a:pt x="9335" y="887"/>
-                    <a:pt x="9276" y="828"/>
-                  </a:cubicBezTo>
-                  <a:cubicBezTo>
-                    <a:pt x="9240" y="792"/>
-                    <a:pt x="9195" y="774"/>
-                    <a:pt x="9151" y="774"/>
-                  </a:cubicBezTo>
-                  <a:cubicBezTo>
-                    <a:pt x="9106" y="774"/>
-                    <a:pt x="9061" y="792"/>
-                    <a:pt x="9026" y="828"/>
-                  </a:cubicBezTo>
-                  <a:lnTo>
-                    <a:pt x="4942" y="4912"/>
-                  </a:lnTo>
-                  <a:cubicBezTo>
-                    <a:pt x="4751" y="5102"/>
-                    <a:pt x="4501" y="5209"/>
-                    <a:pt x="4227" y="5209"/>
-                  </a:cubicBezTo>
-                  <a:cubicBezTo>
-                    <a:pt x="3965" y="5209"/>
-                    <a:pt x="3715" y="5102"/>
-                    <a:pt x="3513" y="4912"/>
-                  </a:cubicBezTo>
-                  <a:lnTo>
-                    <a:pt x="453" y="1840"/>
-                  </a:lnTo>
-                  <a:lnTo>
-                    <a:pt x="1870" y="435"/>
-                  </a:lnTo>
-                  <a:lnTo>
-                    <a:pt x="2370" y="935"/>
-                  </a:lnTo>
-                  <a:cubicBezTo>
-                    <a:pt x="2406" y="971"/>
-                    <a:pt x="2450" y="988"/>
-                    <a:pt x="2495" y="988"/>
-                  </a:cubicBezTo>
-                  <a:cubicBezTo>
-                    <a:pt x="2540" y="988"/>
-                    <a:pt x="2584" y="971"/>
-                    <a:pt x="2620" y="935"/>
-                  </a:cubicBezTo>
-                  <a:cubicBezTo>
-                    <a:pt x="2703" y="863"/>
-                    <a:pt x="2703" y="756"/>
-                    <a:pt x="2620" y="685"/>
-                  </a:cubicBezTo>
-                  <a:lnTo>
-                    <a:pt x="2001" y="54"/>
-                  </a:lnTo>
-                  <a:cubicBezTo>
-                    <a:pt x="1965" y="18"/>
-                    <a:pt x="1920" y="0"/>
-                    <a:pt x="1876" y="0"/>
-                  </a:cubicBezTo>
-                  <a:close/>
-                </a:path>
-              </a:pathLst>
-            </a:custGeom>
-            <a:solidFill>
-              <a:schemeClr val="lt2"/>
-            </a:solidFill>
-            <a:ln>
-              <a:noFill/>
-            </a:ln>
-          </p:spPr>
-          <p:txBody>
-            <a:bodyPr spcFirstLastPara="1" wrap="square" lIns="91425" tIns="91425" rIns="91425" bIns="91425" anchor="ctr" anchorCtr="0">
-              <a:noAutofit/>
-            </a:bodyPr>
-            <a:lstStyle/>
-            <a:p>
-              <a:pPr marL="0" lvl="0" indent="0" algn="l" rtl="0">
-                <a:spcBef>
-                  <a:spcPts val="0"/>
-                </a:spcBef>
-                <a:spcAft>
-                  <a:spcPts val="0"/>
-                </a:spcAft>
-                <a:buNone/>
-              </a:pPr>
-              <a:endParaRPr/>
-            </a:p>
-          </p:txBody>
-        </p:sp>
-        <p:sp>
-          <p:nvSpPr>
-            <p:cNvPr id="527" name="Google Shape;527;p47"/>
-            <p:cNvSpPr/>
-            <p:nvPr/>
-          </p:nvSpPr>
-          <p:spPr>
-            <a:xfrm>
-              <a:off x="5304925" y="3725484"/>
-              <a:ext cx="267726" cy="170715"/>
-            </a:xfrm>
-            <a:custGeom>
-              <a:avLst/>
-              <a:gdLst/>
-              <a:ahLst/>
-              <a:cxnLst/>
-              <a:rect l="l" t="t" r="r" b="b"/>
-              <a:pathLst>
-                <a:path w="8431" h="5376" extrusionOk="0">
-                  <a:moveTo>
-                    <a:pt x="6585" y="0"/>
-                  </a:moveTo>
-                  <a:cubicBezTo>
-                    <a:pt x="6540" y="0"/>
-                    <a:pt x="6495" y="18"/>
-                    <a:pt x="6454" y="54"/>
-                  </a:cubicBezTo>
-                  <a:lnTo>
-                    <a:pt x="1548" y="4971"/>
-                  </a:lnTo>
-                  <a:cubicBezTo>
-                    <a:pt x="1513" y="4995"/>
-                    <a:pt x="1477" y="5007"/>
-                    <a:pt x="1429" y="5007"/>
-                  </a:cubicBezTo>
-                  <a:cubicBezTo>
-                    <a:pt x="1382" y="5007"/>
-                    <a:pt x="1346" y="4995"/>
-                    <a:pt x="1310" y="4971"/>
-                  </a:cubicBezTo>
-                  <a:lnTo>
-                    <a:pt x="334" y="3983"/>
-                  </a:lnTo>
-                  <a:cubicBezTo>
-                    <a:pt x="292" y="3947"/>
-                    <a:pt x="248" y="3929"/>
-                    <a:pt x="203" y="3929"/>
-                  </a:cubicBezTo>
-                  <a:cubicBezTo>
-                    <a:pt x="158" y="3929"/>
-                    <a:pt x="114" y="3947"/>
-                    <a:pt x="72" y="3983"/>
-                  </a:cubicBezTo>
-                  <a:cubicBezTo>
-                    <a:pt x="1" y="4054"/>
-                    <a:pt x="1" y="4161"/>
-                    <a:pt x="72" y="4245"/>
-                  </a:cubicBezTo>
-                  <a:lnTo>
-                    <a:pt x="1060" y="5221"/>
-                  </a:lnTo>
-                  <a:cubicBezTo>
-                    <a:pt x="1156" y="5328"/>
-                    <a:pt x="1275" y="5376"/>
-                    <a:pt x="1417" y="5376"/>
-                  </a:cubicBezTo>
-                  <a:cubicBezTo>
-                    <a:pt x="1548" y="5376"/>
-                    <a:pt x="1679" y="5316"/>
-                    <a:pt x="1775" y="5221"/>
-                  </a:cubicBezTo>
-                  <a:lnTo>
-                    <a:pt x="6549" y="447"/>
-                  </a:lnTo>
-                  <a:lnTo>
-                    <a:pt x="7966" y="1852"/>
-                  </a:lnTo>
-                  <a:lnTo>
-                    <a:pt x="6704" y="3126"/>
-                  </a:lnTo>
-                  <a:cubicBezTo>
-                    <a:pt x="6621" y="3197"/>
-                    <a:pt x="6621" y="3304"/>
-                    <a:pt x="6704" y="3376"/>
-                  </a:cubicBezTo>
-                  <a:cubicBezTo>
-                    <a:pt x="6740" y="3411"/>
-                    <a:pt x="6784" y="3429"/>
-                    <a:pt x="6829" y="3429"/>
-                  </a:cubicBezTo>
-                  <a:cubicBezTo>
-                    <a:pt x="6874" y="3429"/>
-                    <a:pt x="6918" y="3411"/>
-                    <a:pt x="6954" y="3376"/>
-                  </a:cubicBezTo>
-                  <a:lnTo>
-                    <a:pt x="8347" y="1983"/>
-                  </a:lnTo>
-                  <a:cubicBezTo>
-                    <a:pt x="8383" y="1947"/>
-                    <a:pt x="8395" y="1899"/>
-                    <a:pt x="8395" y="1864"/>
-                  </a:cubicBezTo>
-                  <a:cubicBezTo>
-                    <a:pt x="8430" y="1816"/>
-                    <a:pt x="8406" y="1768"/>
-                    <a:pt x="8383" y="1721"/>
-                  </a:cubicBezTo>
-                  <a:lnTo>
-                    <a:pt x="6716" y="54"/>
-                  </a:lnTo>
-                  <a:cubicBezTo>
-                    <a:pt x="6674" y="18"/>
-                    <a:pt x="6629" y="0"/>
-                    <a:pt x="6585" y="0"/>
-                  </a:cubicBezTo>
-                  <a:close/>
-                </a:path>
-              </a:pathLst>
-            </a:custGeom>
-            <a:solidFill>
-              <a:schemeClr val="lt2"/>
-            </a:solidFill>
-            <a:ln>
-              <a:noFill/>
-            </a:ln>
-          </p:spPr>
-          <p:txBody>
-            <a:bodyPr spcFirstLastPara="1" wrap="square" lIns="91425" tIns="91425" rIns="91425" bIns="91425" anchor="ctr" anchorCtr="0">
-              <a:noAutofit/>
-            </a:bodyPr>
-            <a:lstStyle/>
-            <a:p>
-              <a:pPr marL="0" lvl="0" indent="0" algn="l" rtl="0">
-                <a:spcBef>
-                  <a:spcPts val="0"/>
-                </a:spcBef>
-                <a:spcAft>
-                  <a:spcPts val="0"/>
-                </a:spcAft>
-                <a:buNone/>
-              </a:pPr>
-              <a:endParaRPr/>
-            </a:p>
-          </p:txBody>
-        </p:sp>
-      </p:grpSp>
-      <p:grpSp>
-        <p:nvGrpSpPr>
-          <p:cNvPr id="528" name="Google Shape;528;p47"/>
-          <p:cNvGrpSpPr/>
-          <p:nvPr/>
-        </p:nvGrpSpPr>
-        <p:grpSpPr>
-          <a:xfrm>
-            <a:off x="2358667" y="1296294"/>
-            <a:ext cx="403854" cy="446706"/>
-            <a:chOff x="5779408" y="3699191"/>
-            <a:chExt cx="317645" cy="318757"/>
-          </a:xfrm>
-        </p:grpSpPr>
-        <p:sp>
-          <p:nvSpPr>
-            <p:cNvPr id="529" name="Google Shape;529;p47"/>
-            <p:cNvSpPr/>
-            <p:nvPr/>
-          </p:nvSpPr>
-          <p:spPr>
-            <a:xfrm>
-              <a:off x="5892837" y="3700334"/>
-              <a:ext cx="204216" cy="317614"/>
-            </a:xfrm>
-            <a:custGeom>
-              <a:avLst/>
-              <a:gdLst/>
-              <a:ahLst/>
-              <a:cxnLst/>
-              <a:rect l="l" t="t" r="r" b="b"/>
-              <a:pathLst>
-                <a:path w="6431" h="10002" extrusionOk="0">
-                  <a:moveTo>
-                    <a:pt x="4025" y="0"/>
-                  </a:moveTo>
-                  <a:cubicBezTo>
-                    <a:pt x="3870" y="0"/>
-                    <a:pt x="3704" y="60"/>
-                    <a:pt x="3608" y="179"/>
-                  </a:cubicBezTo>
-                  <a:lnTo>
-                    <a:pt x="1465" y="2322"/>
-                  </a:lnTo>
-                  <a:lnTo>
-                    <a:pt x="299" y="1167"/>
-                  </a:lnTo>
-                  <a:cubicBezTo>
-                    <a:pt x="269" y="1138"/>
-                    <a:pt x="227" y="1123"/>
-                    <a:pt x="184" y="1123"/>
-                  </a:cubicBezTo>
-                  <a:cubicBezTo>
-                    <a:pt x="141" y="1123"/>
-                    <a:pt x="96" y="1138"/>
-                    <a:pt x="60" y="1167"/>
-                  </a:cubicBezTo>
-                  <a:cubicBezTo>
-                    <a:pt x="1" y="1227"/>
-                    <a:pt x="1" y="1322"/>
-                    <a:pt x="60" y="1405"/>
-                  </a:cubicBezTo>
-                  <a:lnTo>
-                    <a:pt x="1346" y="2679"/>
-                  </a:lnTo>
-                  <a:cubicBezTo>
-                    <a:pt x="1370" y="2715"/>
-                    <a:pt x="1418" y="2727"/>
-                    <a:pt x="1465" y="2727"/>
-                  </a:cubicBezTo>
-                  <a:cubicBezTo>
-                    <a:pt x="1501" y="2727"/>
-                    <a:pt x="1549" y="2715"/>
-                    <a:pt x="1584" y="2679"/>
-                  </a:cubicBezTo>
-                  <a:lnTo>
-                    <a:pt x="3847" y="417"/>
-                  </a:lnTo>
-                  <a:cubicBezTo>
-                    <a:pt x="3882" y="370"/>
-                    <a:pt x="3966" y="346"/>
-                    <a:pt x="4037" y="346"/>
-                  </a:cubicBezTo>
-                  <a:cubicBezTo>
-                    <a:pt x="4109" y="346"/>
-                    <a:pt x="4168" y="370"/>
-                    <a:pt x="4228" y="417"/>
-                  </a:cubicBezTo>
-                  <a:lnTo>
-                    <a:pt x="6049" y="2239"/>
-                  </a:lnTo>
-                  <a:cubicBezTo>
-                    <a:pt x="6085" y="2275"/>
-                    <a:pt x="6121" y="2358"/>
-                    <a:pt x="6121" y="2429"/>
-                  </a:cubicBezTo>
-                  <a:cubicBezTo>
-                    <a:pt x="6121" y="2501"/>
-                    <a:pt x="6085" y="2560"/>
-                    <a:pt x="6049" y="2620"/>
-                  </a:cubicBezTo>
-                  <a:lnTo>
-                    <a:pt x="3775" y="4882"/>
-                  </a:lnTo>
-                  <a:cubicBezTo>
-                    <a:pt x="3716" y="4942"/>
-                    <a:pt x="3716" y="5049"/>
-                    <a:pt x="3775" y="5120"/>
-                  </a:cubicBezTo>
-                  <a:lnTo>
-                    <a:pt x="6049" y="7382"/>
-                  </a:lnTo>
-                  <a:cubicBezTo>
-                    <a:pt x="6085" y="7430"/>
-                    <a:pt x="6121" y="7501"/>
-                    <a:pt x="6121" y="7573"/>
-                  </a:cubicBezTo>
-                  <a:cubicBezTo>
-                    <a:pt x="6121" y="7656"/>
-                    <a:pt x="6085" y="7716"/>
-                    <a:pt x="6049" y="7775"/>
-                  </a:cubicBezTo>
-                  <a:lnTo>
-                    <a:pt x="4228" y="9585"/>
-                  </a:lnTo>
-                  <a:cubicBezTo>
-                    <a:pt x="4174" y="9639"/>
-                    <a:pt x="4103" y="9665"/>
-                    <a:pt x="4033" y="9665"/>
-                  </a:cubicBezTo>
-                  <a:cubicBezTo>
-                    <a:pt x="3963" y="9665"/>
-                    <a:pt x="3894" y="9639"/>
-                    <a:pt x="3847" y="9585"/>
-                  </a:cubicBezTo>
-                  <a:lnTo>
-                    <a:pt x="2989" y="8740"/>
-                  </a:lnTo>
-                  <a:cubicBezTo>
-                    <a:pt x="2960" y="8710"/>
-                    <a:pt x="2921" y="8695"/>
-                    <a:pt x="2879" y="8695"/>
-                  </a:cubicBezTo>
-                  <a:cubicBezTo>
-                    <a:pt x="2838" y="8695"/>
-                    <a:pt x="2793" y="8710"/>
-                    <a:pt x="2751" y="8740"/>
-                  </a:cubicBezTo>
-                  <a:cubicBezTo>
-                    <a:pt x="2692" y="8799"/>
-                    <a:pt x="2692" y="8906"/>
-                    <a:pt x="2751" y="8978"/>
-                  </a:cubicBezTo>
-                  <a:lnTo>
-                    <a:pt x="3608" y="9823"/>
-                  </a:lnTo>
-                  <a:cubicBezTo>
-                    <a:pt x="3728" y="9942"/>
-                    <a:pt x="3870" y="10002"/>
-                    <a:pt x="4025" y="10002"/>
-                  </a:cubicBezTo>
-                  <a:cubicBezTo>
-                    <a:pt x="4168" y="10002"/>
-                    <a:pt x="4335" y="9942"/>
-                    <a:pt x="4442" y="9823"/>
-                  </a:cubicBezTo>
-                  <a:lnTo>
-                    <a:pt x="6252" y="8013"/>
-                  </a:lnTo>
-                  <a:cubicBezTo>
-                    <a:pt x="6371" y="7894"/>
-                    <a:pt x="6430" y="7740"/>
-                    <a:pt x="6430" y="7597"/>
-                  </a:cubicBezTo>
-                  <a:cubicBezTo>
-                    <a:pt x="6430" y="7430"/>
-                    <a:pt x="6371" y="7275"/>
-                    <a:pt x="6252" y="7180"/>
-                  </a:cubicBezTo>
-                  <a:lnTo>
-                    <a:pt x="4109" y="4977"/>
-                  </a:lnTo>
-                  <a:lnTo>
-                    <a:pt x="6252" y="2834"/>
-                  </a:lnTo>
-                  <a:cubicBezTo>
-                    <a:pt x="6371" y="2715"/>
-                    <a:pt x="6430" y="2560"/>
-                    <a:pt x="6430" y="2417"/>
-                  </a:cubicBezTo>
-                  <a:cubicBezTo>
-                    <a:pt x="6430" y="2251"/>
-                    <a:pt x="6371" y="2096"/>
-                    <a:pt x="6252" y="2001"/>
-                  </a:cubicBezTo>
-                  <a:lnTo>
-                    <a:pt x="4442" y="179"/>
-                  </a:lnTo>
-                  <a:cubicBezTo>
-                    <a:pt x="4323" y="60"/>
-                    <a:pt x="4168" y="0"/>
-                    <a:pt x="4025" y="0"/>
-                  </a:cubicBezTo>
-                  <a:close/>
-                </a:path>
-              </a:pathLst>
-            </a:custGeom>
-            <a:solidFill>
-              <a:schemeClr val="lt2"/>
-            </a:solidFill>
-            <a:ln>
-              <a:noFill/>
-            </a:ln>
-          </p:spPr>
-          <p:txBody>
-            <a:bodyPr spcFirstLastPara="1" wrap="square" lIns="91425" tIns="91425" rIns="91425" bIns="91425" anchor="ctr" anchorCtr="0">
-              <a:noAutofit/>
-            </a:bodyPr>
-            <a:lstStyle/>
-            <a:p>
-              <a:pPr marL="0" lvl="0" indent="0" algn="l" rtl="0">
-                <a:spcBef>
-                  <a:spcPts val="0"/>
-                </a:spcBef>
-                <a:spcAft>
-                  <a:spcPts val="0"/>
-                </a:spcAft>
-                <a:buNone/>
-              </a:pPr>
-              <a:endParaRPr/>
-            </a:p>
-          </p:txBody>
-        </p:sp>
-        <p:sp>
-          <p:nvSpPr>
-            <p:cNvPr id="530" name="Google Shape;530;p47"/>
-            <p:cNvSpPr/>
-            <p:nvPr/>
-          </p:nvSpPr>
-          <p:spPr>
-            <a:xfrm>
-              <a:off x="5779408" y="3699191"/>
-              <a:ext cx="195134" cy="316883"/>
-            </a:xfrm>
-            <a:custGeom>
-              <a:avLst/>
-              <a:gdLst/>
-              <a:ahLst/>
-              <a:cxnLst/>
-              <a:rect l="l" t="t" r="r" b="b"/>
-              <a:pathLst>
-                <a:path w="6145" h="9979" extrusionOk="0">
-                  <a:moveTo>
-                    <a:pt x="2477" y="1"/>
-                  </a:moveTo>
-                  <a:cubicBezTo>
-                    <a:pt x="2311" y="1"/>
-                    <a:pt x="2156" y="60"/>
-                    <a:pt x="2061" y="179"/>
-                  </a:cubicBezTo>
-                  <a:lnTo>
-                    <a:pt x="239" y="2001"/>
-                  </a:lnTo>
-                  <a:cubicBezTo>
-                    <a:pt x="1" y="2239"/>
-                    <a:pt x="1" y="2608"/>
-                    <a:pt x="239" y="2846"/>
-                  </a:cubicBezTo>
-                  <a:lnTo>
-                    <a:pt x="2382" y="4989"/>
-                  </a:lnTo>
-                  <a:lnTo>
-                    <a:pt x="239" y="7133"/>
-                  </a:lnTo>
-                  <a:cubicBezTo>
-                    <a:pt x="1" y="7371"/>
-                    <a:pt x="1" y="7752"/>
-                    <a:pt x="239" y="7990"/>
-                  </a:cubicBezTo>
-                  <a:lnTo>
-                    <a:pt x="2061" y="9800"/>
-                  </a:lnTo>
-                  <a:cubicBezTo>
-                    <a:pt x="2180" y="9919"/>
-                    <a:pt x="2323" y="9978"/>
-                    <a:pt x="2477" y="9978"/>
-                  </a:cubicBezTo>
-                  <a:cubicBezTo>
-                    <a:pt x="2620" y="9978"/>
-                    <a:pt x="2787" y="9919"/>
-                    <a:pt x="2882" y="9800"/>
-                  </a:cubicBezTo>
-                  <a:lnTo>
-                    <a:pt x="5037" y="7656"/>
-                  </a:lnTo>
-                  <a:lnTo>
-                    <a:pt x="5859" y="8490"/>
-                  </a:lnTo>
-                  <a:cubicBezTo>
-                    <a:pt x="5895" y="8520"/>
-                    <a:pt x="5936" y="8535"/>
-                    <a:pt x="5978" y="8535"/>
-                  </a:cubicBezTo>
-                  <a:cubicBezTo>
-                    <a:pt x="6020" y="8535"/>
-                    <a:pt x="6061" y="8520"/>
-                    <a:pt x="6097" y="8490"/>
-                  </a:cubicBezTo>
-                  <a:cubicBezTo>
-                    <a:pt x="6145" y="8430"/>
-                    <a:pt x="6145" y="8323"/>
-                    <a:pt x="6085" y="8264"/>
-                  </a:cubicBezTo>
-                  <a:lnTo>
-                    <a:pt x="5156" y="7335"/>
-                  </a:lnTo>
-                  <a:cubicBezTo>
-                    <a:pt x="5121" y="7299"/>
-                    <a:pt x="5073" y="7287"/>
-                    <a:pt x="5037" y="7287"/>
-                  </a:cubicBezTo>
-                  <a:cubicBezTo>
-                    <a:pt x="4990" y="7287"/>
-                    <a:pt x="4942" y="7299"/>
-                    <a:pt x="4918" y="7335"/>
-                  </a:cubicBezTo>
-                  <a:lnTo>
-                    <a:pt x="2656" y="9597"/>
-                  </a:lnTo>
-                  <a:cubicBezTo>
-                    <a:pt x="2608" y="9633"/>
-                    <a:pt x="2537" y="9669"/>
-                    <a:pt x="2454" y="9669"/>
-                  </a:cubicBezTo>
-                  <a:cubicBezTo>
-                    <a:pt x="2382" y="9669"/>
-                    <a:pt x="2323" y="9633"/>
-                    <a:pt x="2263" y="9597"/>
-                  </a:cubicBezTo>
-                  <a:lnTo>
-                    <a:pt x="453" y="7776"/>
-                  </a:lnTo>
-                  <a:cubicBezTo>
-                    <a:pt x="346" y="7668"/>
-                    <a:pt x="346" y="7490"/>
-                    <a:pt x="453" y="7395"/>
-                  </a:cubicBezTo>
-                  <a:lnTo>
-                    <a:pt x="2716" y="5132"/>
-                  </a:lnTo>
-                  <a:cubicBezTo>
-                    <a:pt x="2739" y="5097"/>
-                    <a:pt x="2751" y="5049"/>
-                    <a:pt x="2751" y="5013"/>
-                  </a:cubicBezTo>
-                  <a:cubicBezTo>
-                    <a:pt x="2751" y="4966"/>
-                    <a:pt x="2739" y="4918"/>
-                    <a:pt x="2716" y="4894"/>
-                  </a:cubicBezTo>
-                  <a:lnTo>
-                    <a:pt x="453" y="2632"/>
-                  </a:lnTo>
-                  <a:cubicBezTo>
-                    <a:pt x="346" y="2525"/>
-                    <a:pt x="346" y="2346"/>
-                    <a:pt x="453" y="2239"/>
-                  </a:cubicBezTo>
-                  <a:lnTo>
-                    <a:pt x="2263" y="417"/>
-                  </a:lnTo>
-                  <a:cubicBezTo>
-                    <a:pt x="2311" y="382"/>
-                    <a:pt x="2382" y="346"/>
-                    <a:pt x="2454" y="346"/>
-                  </a:cubicBezTo>
-                  <a:cubicBezTo>
-                    <a:pt x="2537" y="346"/>
-                    <a:pt x="2597" y="382"/>
-                    <a:pt x="2656" y="417"/>
-                  </a:cubicBezTo>
-                  <a:lnTo>
-                    <a:pt x="3168" y="941"/>
-                  </a:lnTo>
-                  <a:cubicBezTo>
-                    <a:pt x="3198" y="971"/>
-                    <a:pt x="3239" y="986"/>
-                    <a:pt x="3283" y="986"/>
-                  </a:cubicBezTo>
-                  <a:cubicBezTo>
-                    <a:pt x="3326" y="986"/>
-                    <a:pt x="3370" y="971"/>
-                    <a:pt x="3406" y="941"/>
-                  </a:cubicBezTo>
-                  <a:cubicBezTo>
-                    <a:pt x="3466" y="882"/>
-                    <a:pt x="3466" y="775"/>
-                    <a:pt x="3406" y="703"/>
-                  </a:cubicBezTo>
-                  <a:lnTo>
-                    <a:pt x="2882" y="179"/>
-                  </a:lnTo>
-                  <a:cubicBezTo>
-                    <a:pt x="2775" y="60"/>
-                    <a:pt x="2620" y="1"/>
-                    <a:pt x="2477" y="1"/>
-                  </a:cubicBezTo>
-                  <a:close/>
-                </a:path>
-              </a:pathLst>
-            </a:custGeom>
-            <a:solidFill>
-              <a:schemeClr val="lt2"/>
-            </a:solidFill>
-            <a:ln>
-              <a:noFill/>
-            </a:ln>
-          </p:spPr>
-          <p:txBody>
-            <a:bodyPr spcFirstLastPara="1" wrap="square" lIns="91425" tIns="91425" rIns="91425" bIns="91425" anchor="ctr" anchorCtr="0">
-              <a:noAutofit/>
-            </a:bodyPr>
-            <a:lstStyle/>
-            <a:p>
-              <a:pPr marL="0" lvl="0" indent="0" algn="l" rtl="0">
-                <a:spcBef>
-                  <a:spcPts val="0"/>
-                </a:spcBef>
-                <a:spcAft>
-                  <a:spcPts val="0"/>
-                </a:spcAft>
-                <a:buNone/>
-              </a:pPr>
-              <a:endParaRPr/>
-            </a:p>
-          </p:txBody>
-        </p:sp>
-      </p:grpSp>
-      <p:pic>
-        <p:nvPicPr>
-          <p:cNvPr id="531" name="Google Shape;531;p47"/>
-          <p:cNvPicPr preferRelativeResize="0"/>
-          <p:nvPr/>
-        </p:nvPicPr>
-        <p:blipFill>
-          <a:blip r:embed="rId3">
-            <a:alphaModFix/>
-          </a:blip>
-          <a:stretch>
-            <a:fillRect/>
-          </a:stretch>
-        </p:blipFill>
-        <p:spPr>
-          <a:xfrm>
-            <a:off x="2422950" y="2121475"/>
-            <a:ext cx="3937900" cy="2265425"/>
-          </a:xfrm>
-          <a:prstGeom prst="rect">
-            <a:avLst/>
-          </a:prstGeom>
-          <a:noFill/>
-          <a:ln>
-            <a:noFill/>
-          </a:ln>
-        </p:spPr>
-      </p:pic>
-    </p:spTree>
-  </p:cSld>
-  <p:clrMapOvr>
-    <a:masterClrMapping/>
-  </p:clrMapOvr>
-</p:sld>
-</file>
-
-<file path=ppt/slides/slide11.xml><?xml version="1.0" encoding="utf-8"?>
-<p:sld xmlns:a="http://schemas.openxmlformats.org/drawingml/2006/main" xmlns:r="http://schemas.openxmlformats.org/officeDocument/2006/relationships" xmlns:p="http://schemas.openxmlformats.org/presentationml/2006/main">
-  <p:cSld>
-    <p:spTree>
-      <p:nvGrpSpPr>
         <p:cNvPr id="1" name="Shape 535"/>
         <p:cNvGrpSpPr/>
         <p:nvPr/>
@@ -29137,7 +28057,7 @@
 </p:sld>
 </file>
 
-<file path=ppt/slides/slide12.xml><?xml version="1.0" encoding="utf-8"?>
+<file path=ppt/slides/slide11.xml><?xml version="1.0" encoding="utf-8"?>
 <p:sld xmlns:a="http://schemas.openxmlformats.org/drawingml/2006/main" xmlns:r="http://schemas.openxmlformats.org/officeDocument/2006/relationships" xmlns:p="http://schemas.openxmlformats.org/presentationml/2006/main">
   <p:cSld>
     <p:spTree>
@@ -29907,7 +28827,7 @@
 </p:sld>
 </file>
 
-<file path=ppt/slides/slide13.xml><?xml version="1.0" encoding="utf-8"?>
+<file path=ppt/slides/slide12.xml><?xml version="1.0" encoding="utf-8"?>
 <p:sld xmlns:a="http://schemas.openxmlformats.org/drawingml/2006/main" xmlns:r="http://schemas.openxmlformats.org/officeDocument/2006/relationships" xmlns:p="http://schemas.openxmlformats.org/presentationml/2006/main">
   <p:cSld>
     <p:spTree>
@@ -30240,7 +29160,7 @@
 </p:sld>
 </file>
 
-<file path=ppt/slides/slide14.xml><?xml version="1.0" encoding="utf-8"?>
+<file path=ppt/slides/slide13.xml><?xml version="1.0" encoding="utf-8"?>
 <p:sld xmlns:a="http://schemas.openxmlformats.org/drawingml/2006/main" xmlns:r="http://schemas.openxmlformats.org/officeDocument/2006/relationships" xmlns:p="http://schemas.openxmlformats.org/presentationml/2006/main">
   <p:cSld>
     <p:spTree>
@@ -30952,7 +29872,7 @@
 </p:sld>
 </file>
 
-<file path=ppt/slides/slide15.xml><?xml version="1.0" encoding="utf-8"?>
+<file path=ppt/slides/slide14.xml><?xml version="1.0" encoding="utf-8"?>
 <p:sld xmlns:a="http://schemas.openxmlformats.org/drawingml/2006/main" xmlns:r="http://schemas.openxmlformats.org/officeDocument/2006/relationships" xmlns:p="http://schemas.openxmlformats.org/presentationml/2006/main">
   <p:cSld>
     <p:spTree>
@@ -31227,7 +30147,7 @@
 </p:sld>
 </file>
 
-<file path=ppt/slides/slide16.xml><?xml version="1.0" encoding="utf-8"?>
+<file path=ppt/slides/slide15.xml><?xml version="1.0" encoding="utf-8"?>
 <p:sld xmlns:a="http://schemas.openxmlformats.org/drawingml/2006/main" xmlns:r="http://schemas.openxmlformats.org/officeDocument/2006/relationships" xmlns:p="http://schemas.openxmlformats.org/presentationml/2006/main">
   <p:cSld>
     <p:spTree>
@@ -33777,7 +32697,7 @@
 </p:sld>
 </file>
 
-<file path=ppt/slides/slide17.xml><?xml version="1.0" encoding="utf-8"?>
+<file path=ppt/slides/slide16.xml><?xml version="1.0" encoding="utf-8"?>
 <p:sld xmlns:a="http://schemas.openxmlformats.org/drawingml/2006/main" xmlns:r="http://schemas.openxmlformats.org/officeDocument/2006/relationships" xmlns:p="http://schemas.openxmlformats.org/presentationml/2006/main">
   <p:cSld>
     <p:spTree>
@@ -34183,7 +33103,7 @@
 </p:sld>
 </file>
 
-<file path=ppt/slides/slide18.xml><?xml version="1.0" encoding="utf-8"?>
+<file path=ppt/slides/slide17.xml><?xml version="1.0" encoding="utf-8"?>
 <p:sld xmlns:a="http://schemas.openxmlformats.org/drawingml/2006/main" xmlns:r="http://schemas.openxmlformats.org/officeDocument/2006/relationships" xmlns:p="http://schemas.openxmlformats.org/presentationml/2006/main">
   <p:cSld>
     <p:spTree>
@@ -34545,7 +33465,7 @@
 </p:sld>
 </file>
 
-<file path=ppt/slides/slide19.xml><?xml version="1.0" encoding="utf-8"?>
+<file path=ppt/slides/slide18.xml><?xml version="1.0" encoding="utf-8"?>
 <p:sld xmlns:a="http://schemas.openxmlformats.org/drawingml/2006/main" xmlns:r="http://schemas.openxmlformats.org/officeDocument/2006/relationships" xmlns:p="http://schemas.openxmlformats.org/presentationml/2006/main">
   <p:cSld>
     <p:spTree>
@@ -36105,778 +35025,7 @@
 </p:sld>
 </file>
 
-<file path=ppt/slides/slide2.xml><?xml version="1.0" encoding="utf-8"?>
-<p:sld xmlns:a="http://schemas.openxmlformats.org/drawingml/2006/main" xmlns:r="http://schemas.openxmlformats.org/officeDocument/2006/relationships" xmlns:p="http://schemas.openxmlformats.org/presentationml/2006/main">
-  <p:cSld>
-    <p:spTree>
-      <p:nvGrpSpPr>
-        <p:cNvPr id="1" name="Shape 256"/>
-        <p:cNvGrpSpPr/>
-        <p:nvPr/>
-      </p:nvGrpSpPr>
-      <p:grpSpPr>
-        <a:xfrm>
-          <a:off x="0" y="0"/>
-          <a:ext cx="0" cy="0"/>
-          <a:chOff x="0" y="0"/>
-          <a:chExt cx="0" cy="0"/>
-        </a:xfrm>
-      </p:grpSpPr>
-      <p:sp>
-        <p:nvSpPr>
-          <p:cNvPr id="257" name="Google Shape;257;p33"/>
-          <p:cNvSpPr txBox="1">
-            <a:spLocks noGrp="1"/>
-          </p:cNvSpPr>
-          <p:nvPr>
-            <p:ph type="title" idx="21"/>
-          </p:nvPr>
-        </p:nvSpPr>
-        <p:spPr>
-          <a:xfrm>
-            <a:off x="713225" y="537650"/>
-            <a:ext cx="7717500" cy="572700"/>
-          </a:xfrm>
-          <a:prstGeom prst="rect">
-            <a:avLst/>
-          </a:prstGeom>
-        </p:spPr>
-        <p:txBody>
-          <a:bodyPr spcFirstLastPara="1" wrap="square" lIns="91425" tIns="91425" rIns="91425" bIns="91425" anchor="ctr" anchorCtr="0">
-            <a:noAutofit/>
-          </a:bodyPr>
-          <a:lstStyle/>
-          <a:p>
-            <a:pPr marL="0" lvl="0" indent="0" algn="ctr" rtl="0">
-              <a:spcBef>
-                <a:spcPts val="0"/>
-              </a:spcBef>
-              <a:spcAft>
-                <a:spcPts val="0"/>
-              </a:spcAft>
-              <a:buNone/>
-            </a:pPr>
-            <a:r>
-              <a:rPr lang="en"/>
-              <a:t>Contenidos</a:t>
-            </a:r>
-            <a:endParaRPr/>
-          </a:p>
-        </p:txBody>
-      </p:sp>
-      <p:sp>
-        <p:nvSpPr>
-          <p:cNvPr id="258" name="Google Shape;258;p33"/>
-          <p:cNvSpPr txBox="1">
-            <a:spLocks noGrp="1"/>
-          </p:cNvSpPr>
-          <p:nvPr>
-            <p:ph type="title"/>
-          </p:nvPr>
-        </p:nvSpPr>
-        <p:spPr>
-          <a:xfrm>
-            <a:off x="1534475" y="1359711"/>
-            <a:ext cx="901200" cy="385200"/>
-          </a:xfrm>
-          <a:prstGeom prst="rect">
-            <a:avLst/>
-          </a:prstGeom>
-        </p:spPr>
-        <p:txBody>
-          <a:bodyPr spcFirstLastPara="1" wrap="square" lIns="91425" tIns="91425" rIns="91425" bIns="91425" anchor="ctr" anchorCtr="0">
-            <a:noAutofit/>
-          </a:bodyPr>
-          <a:lstStyle/>
-          <a:p>
-            <a:pPr marL="0" lvl="0" indent="0" algn="ctr" rtl="0">
-              <a:lnSpc>
-                <a:spcPct val="100000"/>
-              </a:lnSpc>
-              <a:spcBef>
-                <a:spcPts val="0"/>
-              </a:spcBef>
-              <a:spcAft>
-                <a:spcPts val="0"/>
-              </a:spcAft>
-              <a:buNone/>
-            </a:pPr>
-            <a:r>
-              <a:rPr lang="en">
-                <a:latin typeface="Anek Gurmukhi ExtraBold"/>
-                <a:ea typeface="Anek Gurmukhi ExtraBold"/>
-                <a:cs typeface="Anek Gurmukhi ExtraBold"/>
-                <a:sym typeface="Anek Gurmukhi ExtraBold"/>
-              </a:rPr>
-              <a:t>01</a:t>
-            </a:r>
-            <a:endParaRPr>
-              <a:latin typeface="Anek Gurmukhi ExtraBold"/>
-              <a:ea typeface="Anek Gurmukhi ExtraBold"/>
-              <a:cs typeface="Anek Gurmukhi ExtraBold"/>
-              <a:sym typeface="Anek Gurmukhi ExtraBold"/>
-            </a:endParaRPr>
-          </a:p>
-        </p:txBody>
-      </p:sp>
-      <p:sp>
-        <p:nvSpPr>
-          <p:cNvPr id="259" name="Google Shape;259;p33"/>
-          <p:cNvSpPr txBox="1">
-            <a:spLocks noGrp="1"/>
-          </p:cNvSpPr>
-          <p:nvPr>
-            <p:ph type="title" idx="16"/>
-          </p:nvPr>
-        </p:nvSpPr>
-        <p:spPr>
-          <a:xfrm>
-            <a:off x="4121400" y="3066683"/>
-            <a:ext cx="901200" cy="385200"/>
-          </a:xfrm>
-          <a:prstGeom prst="rect">
-            <a:avLst/>
-          </a:prstGeom>
-        </p:spPr>
-        <p:txBody>
-          <a:bodyPr spcFirstLastPara="1" wrap="square" lIns="91425" tIns="91425" rIns="91425" bIns="91425" anchor="ctr" anchorCtr="0">
-            <a:noAutofit/>
-          </a:bodyPr>
-          <a:lstStyle/>
-          <a:p>
-            <a:pPr marL="0" lvl="0" indent="0" algn="ctr" rtl="0">
-              <a:lnSpc>
-                <a:spcPct val="100000"/>
-              </a:lnSpc>
-              <a:spcBef>
-                <a:spcPts val="0"/>
-              </a:spcBef>
-              <a:spcAft>
-                <a:spcPts val="0"/>
-              </a:spcAft>
-              <a:buNone/>
-            </a:pPr>
-            <a:r>
-              <a:rPr lang="en">
-                <a:latin typeface="Anek Gurmukhi ExtraBold"/>
-                <a:ea typeface="Anek Gurmukhi ExtraBold"/>
-                <a:cs typeface="Anek Gurmukhi ExtraBold"/>
-                <a:sym typeface="Anek Gurmukhi ExtraBold"/>
-              </a:rPr>
-              <a:t>05</a:t>
-            </a:r>
-            <a:endParaRPr>
-              <a:latin typeface="Anek Gurmukhi ExtraBold"/>
-              <a:ea typeface="Anek Gurmukhi ExtraBold"/>
-              <a:cs typeface="Anek Gurmukhi ExtraBold"/>
-              <a:sym typeface="Anek Gurmukhi ExtraBold"/>
-            </a:endParaRPr>
-          </a:p>
-        </p:txBody>
-      </p:sp>
-      <p:sp>
-        <p:nvSpPr>
-          <p:cNvPr id="260" name="Google Shape;260;p33"/>
-          <p:cNvSpPr txBox="1">
-            <a:spLocks noGrp="1"/>
-          </p:cNvSpPr>
-          <p:nvPr>
-            <p:ph type="title" idx="17"/>
-          </p:nvPr>
-        </p:nvSpPr>
-        <p:spPr>
-          <a:xfrm>
-            <a:off x="1534475" y="3065619"/>
-            <a:ext cx="901200" cy="385200"/>
-          </a:xfrm>
-          <a:prstGeom prst="rect">
-            <a:avLst/>
-          </a:prstGeom>
-        </p:spPr>
-        <p:txBody>
-          <a:bodyPr spcFirstLastPara="1" wrap="square" lIns="91425" tIns="91425" rIns="91425" bIns="91425" anchor="ctr" anchorCtr="0">
-            <a:noAutofit/>
-          </a:bodyPr>
-          <a:lstStyle/>
-          <a:p>
-            <a:pPr marL="0" lvl="0" indent="0" algn="ctr" rtl="0">
-              <a:lnSpc>
-                <a:spcPct val="100000"/>
-              </a:lnSpc>
-              <a:spcBef>
-                <a:spcPts val="0"/>
-              </a:spcBef>
-              <a:spcAft>
-                <a:spcPts val="0"/>
-              </a:spcAft>
-              <a:buNone/>
-            </a:pPr>
-            <a:r>
-              <a:rPr lang="en">
-                <a:latin typeface="Anek Gurmukhi ExtraBold"/>
-                <a:ea typeface="Anek Gurmukhi ExtraBold"/>
-                <a:cs typeface="Anek Gurmukhi ExtraBold"/>
-                <a:sym typeface="Anek Gurmukhi ExtraBold"/>
-              </a:rPr>
-              <a:t>04</a:t>
-            </a:r>
-            <a:endParaRPr>
-              <a:latin typeface="Anek Gurmukhi ExtraBold"/>
-              <a:ea typeface="Anek Gurmukhi ExtraBold"/>
-              <a:cs typeface="Anek Gurmukhi ExtraBold"/>
-              <a:sym typeface="Anek Gurmukhi ExtraBold"/>
-            </a:endParaRPr>
-          </a:p>
-        </p:txBody>
-      </p:sp>
-      <p:sp>
-        <p:nvSpPr>
-          <p:cNvPr id="261" name="Google Shape;261;p33"/>
-          <p:cNvSpPr txBox="1">
-            <a:spLocks noGrp="1"/>
-          </p:cNvSpPr>
-          <p:nvPr>
-            <p:ph type="title" idx="18"/>
-          </p:nvPr>
-        </p:nvSpPr>
-        <p:spPr>
-          <a:xfrm>
-            <a:off x="4121400" y="1360775"/>
-            <a:ext cx="901200" cy="385200"/>
-          </a:xfrm>
-          <a:prstGeom prst="rect">
-            <a:avLst/>
-          </a:prstGeom>
-        </p:spPr>
-        <p:txBody>
-          <a:bodyPr spcFirstLastPara="1" wrap="square" lIns="91425" tIns="91425" rIns="91425" bIns="91425" anchor="ctr" anchorCtr="0">
-            <a:noAutofit/>
-          </a:bodyPr>
-          <a:lstStyle/>
-          <a:p>
-            <a:pPr marL="0" lvl="0" indent="0" algn="ctr" rtl="0">
-              <a:lnSpc>
-                <a:spcPct val="100000"/>
-              </a:lnSpc>
-              <a:spcBef>
-                <a:spcPts val="0"/>
-              </a:spcBef>
-              <a:spcAft>
-                <a:spcPts val="0"/>
-              </a:spcAft>
-              <a:buNone/>
-            </a:pPr>
-            <a:r>
-              <a:rPr lang="en">
-                <a:latin typeface="Anek Gurmukhi ExtraBold"/>
-                <a:ea typeface="Anek Gurmukhi ExtraBold"/>
-                <a:cs typeface="Anek Gurmukhi ExtraBold"/>
-                <a:sym typeface="Anek Gurmukhi ExtraBold"/>
-              </a:rPr>
-              <a:t>02</a:t>
-            </a:r>
-            <a:endParaRPr>
-              <a:latin typeface="Anek Gurmukhi ExtraBold"/>
-              <a:ea typeface="Anek Gurmukhi ExtraBold"/>
-              <a:cs typeface="Anek Gurmukhi ExtraBold"/>
-              <a:sym typeface="Anek Gurmukhi ExtraBold"/>
-            </a:endParaRPr>
-          </a:p>
-        </p:txBody>
-      </p:sp>
-      <p:sp>
-        <p:nvSpPr>
-          <p:cNvPr id="262" name="Google Shape;262;p33"/>
-          <p:cNvSpPr txBox="1">
-            <a:spLocks noGrp="1"/>
-          </p:cNvSpPr>
-          <p:nvPr>
-            <p:ph type="title" idx="19"/>
-          </p:nvPr>
-        </p:nvSpPr>
-        <p:spPr>
-          <a:xfrm>
-            <a:off x="6708325" y="3065619"/>
-            <a:ext cx="901200" cy="385200"/>
-          </a:xfrm>
-          <a:prstGeom prst="rect">
-            <a:avLst/>
-          </a:prstGeom>
-        </p:spPr>
-        <p:txBody>
-          <a:bodyPr spcFirstLastPara="1" wrap="square" lIns="91425" tIns="91425" rIns="91425" bIns="91425" anchor="ctr" anchorCtr="0">
-            <a:noAutofit/>
-          </a:bodyPr>
-          <a:lstStyle/>
-          <a:p>
-            <a:pPr marL="0" lvl="0" indent="0" algn="ctr" rtl="0">
-              <a:lnSpc>
-                <a:spcPct val="100000"/>
-              </a:lnSpc>
-              <a:spcBef>
-                <a:spcPts val="0"/>
-              </a:spcBef>
-              <a:spcAft>
-                <a:spcPts val="0"/>
-              </a:spcAft>
-              <a:buNone/>
-            </a:pPr>
-            <a:r>
-              <a:rPr lang="en">
-                <a:latin typeface="Anek Gurmukhi ExtraBold"/>
-                <a:ea typeface="Anek Gurmukhi ExtraBold"/>
-                <a:cs typeface="Anek Gurmukhi ExtraBold"/>
-                <a:sym typeface="Anek Gurmukhi ExtraBold"/>
-              </a:rPr>
-              <a:t>06</a:t>
-            </a:r>
-            <a:endParaRPr>
-              <a:latin typeface="Anek Gurmukhi ExtraBold"/>
-              <a:ea typeface="Anek Gurmukhi ExtraBold"/>
-              <a:cs typeface="Anek Gurmukhi ExtraBold"/>
-              <a:sym typeface="Anek Gurmukhi ExtraBold"/>
-            </a:endParaRPr>
-          </a:p>
-        </p:txBody>
-      </p:sp>
-      <p:sp>
-        <p:nvSpPr>
-          <p:cNvPr id="263" name="Google Shape;263;p33"/>
-          <p:cNvSpPr txBox="1">
-            <a:spLocks noGrp="1"/>
-          </p:cNvSpPr>
-          <p:nvPr>
-            <p:ph type="title" idx="20"/>
-          </p:nvPr>
-        </p:nvSpPr>
-        <p:spPr>
-          <a:xfrm>
-            <a:off x="6708325" y="1351495"/>
-            <a:ext cx="901200" cy="385200"/>
-          </a:xfrm>
-          <a:prstGeom prst="rect">
-            <a:avLst/>
-          </a:prstGeom>
-        </p:spPr>
-        <p:txBody>
-          <a:bodyPr spcFirstLastPara="1" wrap="square" lIns="91425" tIns="91425" rIns="91425" bIns="91425" anchor="ctr" anchorCtr="0">
-            <a:noAutofit/>
-          </a:bodyPr>
-          <a:lstStyle/>
-          <a:p>
-            <a:pPr marL="0" lvl="0" indent="0" algn="ctr" rtl="0">
-              <a:lnSpc>
-                <a:spcPct val="100000"/>
-              </a:lnSpc>
-              <a:spcBef>
-                <a:spcPts val="0"/>
-              </a:spcBef>
-              <a:spcAft>
-                <a:spcPts val="0"/>
-              </a:spcAft>
-              <a:buNone/>
-            </a:pPr>
-            <a:r>
-              <a:rPr lang="en">
-                <a:latin typeface="Anek Gurmukhi ExtraBold"/>
-                <a:ea typeface="Anek Gurmukhi ExtraBold"/>
-                <a:cs typeface="Anek Gurmukhi ExtraBold"/>
-                <a:sym typeface="Anek Gurmukhi ExtraBold"/>
-              </a:rPr>
-              <a:t>03</a:t>
-            </a:r>
-            <a:endParaRPr>
-              <a:latin typeface="Anek Gurmukhi ExtraBold"/>
-              <a:ea typeface="Anek Gurmukhi ExtraBold"/>
-              <a:cs typeface="Anek Gurmukhi ExtraBold"/>
-              <a:sym typeface="Anek Gurmukhi ExtraBold"/>
-            </a:endParaRPr>
-          </a:p>
-        </p:txBody>
-      </p:sp>
-      <p:sp>
-        <p:nvSpPr>
-          <p:cNvPr id="264" name="Google Shape;264;p33"/>
-          <p:cNvSpPr txBox="1">
-            <a:spLocks noGrp="1"/>
-          </p:cNvSpPr>
-          <p:nvPr>
-            <p:ph type="subTitle" idx="7"/>
-          </p:nvPr>
-        </p:nvSpPr>
-        <p:spPr>
-          <a:xfrm>
-            <a:off x="713225" y="1895388"/>
-            <a:ext cx="2543700" cy="385200"/>
-          </a:xfrm>
-          <a:prstGeom prst="rect">
-            <a:avLst/>
-          </a:prstGeom>
-        </p:spPr>
-        <p:txBody>
-          <a:bodyPr spcFirstLastPara="1" wrap="square" lIns="91425" tIns="91425" rIns="91425" bIns="91425" anchor="b" anchorCtr="0">
-            <a:noAutofit/>
-          </a:bodyPr>
-          <a:lstStyle/>
-          <a:p>
-            <a:pPr marL="0" lvl="0" indent="0" algn="ctr" rtl="0">
-              <a:lnSpc>
-                <a:spcPct val="100000"/>
-              </a:lnSpc>
-              <a:spcBef>
-                <a:spcPts val="0"/>
-              </a:spcBef>
-              <a:spcAft>
-                <a:spcPts val="0"/>
-              </a:spcAft>
-              <a:buNone/>
-            </a:pPr>
-            <a:r>
-              <a:rPr lang="en"/>
-              <a:t>Objetivo</a:t>
-            </a:r>
-            <a:endParaRPr sz="2400">
-              <a:latin typeface="Anek Gurmukhi ExtraBold"/>
-              <a:ea typeface="Anek Gurmukhi ExtraBold"/>
-              <a:cs typeface="Anek Gurmukhi ExtraBold"/>
-              <a:sym typeface="Anek Gurmukhi ExtraBold"/>
-            </a:endParaRPr>
-          </a:p>
-        </p:txBody>
-      </p:sp>
-      <p:sp>
-        <p:nvSpPr>
-          <p:cNvPr id="265" name="Google Shape;265;p33"/>
-          <p:cNvSpPr txBox="1">
-            <a:spLocks noGrp="1"/>
-          </p:cNvSpPr>
-          <p:nvPr>
-            <p:ph type="subTitle" idx="8"/>
-          </p:nvPr>
-        </p:nvSpPr>
-        <p:spPr>
-          <a:xfrm>
-            <a:off x="713225" y="3868595"/>
-            <a:ext cx="2543700" cy="385200"/>
-          </a:xfrm>
-          <a:prstGeom prst="rect">
-            <a:avLst/>
-          </a:prstGeom>
-        </p:spPr>
-        <p:txBody>
-          <a:bodyPr spcFirstLastPara="1" wrap="square" lIns="91425" tIns="91425" rIns="91425" bIns="91425" anchor="b" anchorCtr="0">
-            <a:noAutofit/>
-          </a:bodyPr>
-          <a:lstStyle/>
-          <a:p>
-            <a:pPr marL="0" lvl="0" indent="0" algn="ctr" rtl="0">
-              <a:lnSpc>
-                <a:spcPct val="100000"/>
-              </a:lnSpc>
-              <a:spcBef>
-                <a:spcPts val="0"/>
-              </a:spcBef>
-              <a:spcAft>
-                <a:spcPts val="0"/>
-              </a:spcAft>
-              <a:buNone/>
-            </a:pPr>
-            <a:r>
-              <a:rPr lang="en"/>
-              <a:t>Preguntas de Interés</a:t>
-            </a:r>
-            <a:endParaRPr sz="2400">
-              <a:latin typeface="Anek Gurmukhi ExtraBold"/>
-              <a:ea typeface="Anek Gurmukhi ExtraBold"/>
-              <a:cs typeface="Anek Gurmukhi ExtraBold"/>
-              <a:sym typeface="Anek Gurmukhi ExtraBold"/>
-            </a:endParaRPr>
-          </a:p>
-        </p:txBody>
-      </p:sp>
-      <p:sp>
-        <p:nvSpPr>
-          <p:cNvPr id="266" name="Google Shape;266;p33"/>
-          <p:cNvSpPr txBox="1">
-            <a:spLocks noGrp="1"/>
-          </p:cNvSpPr>
-          <p:nvPr>
-            <p:ph type="subTitle" idx="9"/>
-          </p:nvPr>
-        </p:nvSpPr>
-        <p:spPr>
-          <a:xfrm>
-            <a:off x="3300150" y="3550853"/>
-            <a:ext cx="2543700" cy="385200"/>
-          </a:xfrm>
-          <a:prstGeom prst="rect">
-            <a:avLst/>
-          </a:prstGeom>
-        </p:spPr>
-        <p:txBody>
-          <a:bodyPr spcFirstLastPara="1" wrap="square" lIns="91425" tIns="91425" rIns="91425" bIns="91425" anchor="b" anchorCtr="0">
-            <a:noAutofit/>
-          </a:bodyPr>
-          <a:lstStyle/>
-          <a:p>
-            <a:pPr marL="0" lvl="0" indent="0" algn="ctr" rtl="0">
-              <a:lnSpc>
-                <a:spcPct val="100000"/>
-              </a:lnSpc>
-              <a:spcBef>
-                <a:spcPts val="0"/>
-              </a:spcBef>
-              <a:spcAft>
-                <a:spcPts val="0"/>
-              </a:spcAft>
-              <a:buNone/>
-            </a:pPr>
-            <a:r>
-              <a:rPr lang="en" sz="2400">
-                <a:latin typeface="Anek Gurmukhi ExtraBold"/>
-                <a:ea typeface="Anek Gurmukhi ExtraBold"/>
-                <a:cs typeface="Anek Gurmukhi ExtraBold"/>
-                <a:sym typeface="Anek Gurmukhi ExtraBold"/>
-              </a:rPr>
-              <a:t>Anal</a:t>
-            </a:r>
-            <a:r>
-              <a:rPr lang="en"/>
-              <a:t>i</a:t>
-            </a:r>
-            <a:r>
-              <a:rPr lang="en" sz="2400">
-                <a:latin typeface="Anek Gurmukhi ExtraBold"/>
-                <a:ea typeface="Anek Gurmukhi ExtraBold"/>
-                <a:cs typeface="Anek Gurmukhi ExtraBold"/>
-                <a:sym typeface="Anek Gurmukhi ExtraBold"/>
-              </a:rPr>
-              <a:t>sis</a:t>
-            </a:r>
-            <a:endParaRPr sz="2400">
-              <a:latin typeface="Anek Gurmukhi ExtraBold"/>
-              <a:ea typeface="Anek Gurmukhi ExtraBold"/>
-              <a:cs typeface="Anek Gurmukhi ExtraBold"/>
-              <a:sym typeface="Anek Gurmukhi ExtraBold"/>
-            </a:endParaRPr>
-          </a:p>
-        </p:txBody>
-      </p:sp>
-      <p:sp>
-        <p:nvSpPr>
-          <p:cNvPr id="267" name="Google Shape;267;p33"/>
-          <p:cNvSpPr txBox="1">
-            <a:spLocks noGrp="1"/>
-          </p:cNvSpPr>
-          <p:nvPr>
-            <p:ph type="subTitle" idx="13"/>
-          </p:nvPr>
-        </p:nvSpPr>
-        <p:spPr>
-          <a:xfrm>
-            <a:off x="3300150" y="2274607"/>
-            <a:ext cx="2543700" cy="385200"/>
-          </a:xfrm>
-          <a:prstGeom prst="rect">
-            <a:avLst/>
-          </a:prstGeom>
-        </p:spPr>
-        <p:txBody>
-          <a:bodyPr spcFirstLastPara="1" wrap="square" lIns="91425" tIns="91425" rIns="91425" bIns="91425" anchor="b" anchorCtr="0">
-            <a:noAutofit/>
-          </a:bodyPr>
-          <a:lstStyle/>
-          <a:p>
-            <a:pPr marL="0" lvl="0" indent="0" algn="ctr" rtl="0">
-              <a:lnSpc>
-                <a:spcPct val="100000"/>
-              </a:lnSpc>
-              <a:spcBef>
-                <a:spcPts val="0"/>
-              </a:spcBef>
-              <a:spcAft>
-                <a:spcPts val="0"/>
-              </a:spcAft>
-              <a:buNone/>
-            </a:pPr>
-            <a:r>
-              <a:rPr lang="en"/>
-              <a:t>Contexto Comercial</a:t>
-            </a:r>
-            <a:endParaRPr sz="2400">
-              <a:latin typeface="Anek Gurmukhi ExtraBold"/>
-              <a:ea typeface="Anek Gurmukhi ExtraBold"/>
-              <a:cs typeface="Anek Gurmukhi ExtraBold"/>
-              <a:sym typeface="Anek Gurmukhi ExtraBold"/>
-            </a:endParaRPr>
-          </a:p>
-        </p:txBody>
-      </p:sp>
-      <p:sp>
-        <p:nvSpPr>
-          <p:cNvPr id="268" name="Google Shape;268;p33"/>
-          <p:cNvSpPr txBox="1">
-            <a:spLocks noGrp="1"/>
-          </p:cNvSpPr>
-          <p:nvPr>
-            <p:ph type="subTitle" idx="14"/>
-          </p:nvPr>
-        </p:nvSpPr>
-        <p:spPr>
-          <a:xfrm>
-            <a:off x="5887075" y="3549620"/>
-            <a:ext cx="2543700" cy="385200"/>
-          </a:xfrm>
-          <a:prstGeom prst="rect">
-            <a:avLst/>
-          </a:prstGeom>
-        </p:spPr>
-        <p:txBody>
-          <a:bodyPr spcFirstLastPara="1" wrap="square" lIns="91425" tIns="91425" rIns="91425" bIns="91425" anchor="b" anchorCtr="0">
-            <a:noAutofit/>
-          </a:bodyPr>
-          <a:lstStyle/>
-          <a:p>
-            <a:pPr marL="0" lvl="0" indent="0" algn="ctr" rtl="0">
-              <a:lnSpc>
-                <a:spcPct val="100000"/>
-              </a:lnSpc>
-              <a:spcBef>
-                <a:spcPts val="0"/>
-              </a:spcBef>
-              <a:spcAft>
-                <a:spcPts val="0"/>
-              </a:spcAft>
-              <a:buNone/>
-            </a:pPr>
-            <a:r>
-              <a:rPr lang="en"/>
-              <a:t>Conclusiones</a:t>
-            </a:r>
-            <a:endParaRPr sz="2400">
-              <a:latin typeface="Anek Gurmukhi ExtraBold"/>
-              <a:ea typeface="Anek Gurmukhi ExtraBold"/>
-              <a:cs typeface="Anek Gurmukhi ExtraBold"/>
-              <a:sym typeface="Anek Gurmukhi ExtraBold"/>
-            </a:endParaRPr>
-          </a:p>
-        </p:txBody>
-      </p:sp>
-      <p:sp>
-        <p:nvSpPr>
-          <p:cNvPr id="269" name="Google Shape;269;p33"/>
-          <p:cNvSpPr txBox="1">
-            <a:spLocks noGrp="1"/>
-          </p:cNvSpPr>
-          <p:nvPr>
-            <p:ph type="subTitle" idx="15"/>
-          </p:nvPr>
-        </p:nvSpPr>
-        <p:spPr>
-          <a:xfrm>
-            <a:off x="5887075" y="2273975"/>
-            <a:ext cx="2543700" cy="385200"/>
-          </a:xfrm>
-          <a:prstGeom prst="rect">
-            <a:avLst/>
-          </a:prstGeom>
-        </p:spPr>
-        <p:txBody>
-          <a:bodyPr spcFirstLastPara="1" wrap="square" lIns="91425" tIns="91425" rIns="91425" bIns="91425" anchor="b" anchorCtr="0">
-            <a:noAutofit/>
-          </a:bodyPr>
-          <a:lstStyle/>
-          <a:p>
-            <a:pPr marL="0" lvl="0" indent="0" algn="ctr" rtl="0">
-              <a:lnSpc>
-                <a:spcPct val="100000"/>
-              </a:lnSpc>
-              <a:spcBef>
-                <a:spcPts val="0"/>
-              </a:spcBef>
-              <a:spcAft>
-                <a:spcPts val="0"/>
-              </a:spcAft>
-              <a:buNone/>
-            </a:pPr>
-            <a:r>
-              <a:rPr lang="en"/>
-              <a:t>Contexto analitico</a:t>
-            </a:r>
-            <a:endParaRPr sz="2400">
-              <a:latin typeface="Anek Gurmukhi ExtraBold"/>
-              <a:ea typeface="Anek Gurmukhi ExtraBold"/>
-              <a:cs typeface="Anek Gurmukhi ExtraBold"/>
-              <a:sym typeface="Anek Gurmukhi ExtraBold"/>
-            </a:endParaRPr>
-          </a:p>
-        </p:txBody>
-      </p:sp>
-      <p:cxnSp>
-        <p:nvCxnSpPr>
-          <p:cNvPr id="270" name="Google Shape;270;p33">
-            <a:hlinkClick r:id="" action="ppaction://hlinkshowjump?jump=nextslide"/>
-          </p:cNvPr>
-          <p:cNvCxnSpPr/>
-          <p:nvPr/>
-        </p:nvCxnSpPr>
-        <p:spPr>
-          <a:xfrm>
-            <a:off x="8630950" y="275125"/>
-            <a:ext cx="286800" cy="0"/>
-          </a:xfrm>
-          <a:prstGeom prst="straightConnector1">
-            <a:avLst/>
-          </a:prstGeom>
-          <a:noFill/>
-          <a:ln w="9525" cap="flat" cmpd="sng">
-            <a:solidFill>
-              <a:schemeClr val="lt2"/>
-            </a:solidFill>
-            <a:prstDash val="solid"/>
-            <a:round/>
-            <a:headEnd type="none" w="med" len="med"/>
-            <a:tailEnd type="triangle" w="med" len="med"/>
-          </a:ln>
-        </p:spPr>
-      </p:cxnSp>
-      <p:cxnSp>
-        <p:nvCxnSpPr>
-          <p:cNvPr id="271" name="Google Shape;271;p33">
-            <a:hlinkClick r:id="" action="ppaction://hlinkshowjump?jump=previousslide"/>
-          </p:cNvPr>
-          <p:cNvCxnSpPr/>
-          <p:nvPr/>
-        </p:nvCxnSpPr>
-        <p:spPr>
-          <a:xfrm rot="10800000">
-            <a:off x="213075" y="275125"/>
-            <a:ext cx="286800" cy="0"/>
-          </a:xfrm>
-          <a:prstGeom prst="straightConnector1">
-            <a:avLst/>
-          </a:prstGeom>
-          <a:noFill/>
-          <a:ln w="9525" cap="flat" cmpd="sng">
-            <a:solidFill>
-              <a:schemeClr val="lt2"/>
-            </a:solidFill>
-            <a:prstDash val="solid"/>
-            <a:round/>
-            <a:headEnd type="none" w="med" len="med"/>
-            <a:tailEnd type="triangle" w="med" len="med"/>
-          </a:ln>
-        </p:spPr>
-      </p:cxnSp>
-    </p:spTree>
-  </p:cSld>
-  <p:clrMapOvr>
-    <a:masterClrMapping/>
-  </p:clrMapOvr>
-</p:sld>
-</file>
-
-<file path=ppt/slides/slide20.xml><?xml version="1.0" encoding="utf-8"?>
+<file path=ppt/slides/slide19.xml><?xml version="1.0" encoding="utf-8"?>
 <p:sld xmlns:a="http://schemas.openxmlformats.org/drawingml/2006/main" xmlns:r="http://schemas.openxmlformats.org/officeDocument/2006/relationships" xmlns:p="http://schemas.openxmlformats.org/presentationml/2006/main">
   <p:cSld>
     <p:spTree>
@@ -37892,7 +36041,778 @@
 </p:sld>
 </file>
 
-<file path=ppt/slides/slide21.xml><?xml version="1.0" encoding="utf-8"?>
+<file path=ppt/slides/slide2.xml><?xml version="1.0" encoding="utf-8"?>
+<p:sld xmlns:a="http://schemas.openxmlformats.org/drawingml/2006/main" xmlns:r="http://schemas.openxmlformats.org/officeDocument/2006/relationships" xmlns:p="http://schemas.openxmlformats.org/presentationml/2006/main">
+  <p:cSld>
+    <p:spTree>
+      <p:nvGrpSpPr>
+        <p:cNvPr id="1" name="Shape 256"/>
+        <p:cNvGrpSpPr/>
+        <p:nvPr/>
+      </p:nvGrpSpPr>
+      <p:grpSpPr>
+        <a:xfrm>
+          <a:off x="0" y="0"/>
+          <a:ext cx="0" cy="0"/>
+          <a:chOff x="0" y="0"/>
+          <a:chExt cx="0" cy="0"/>
+        </a:xfrm>
+      </p:grpSpPr>
+      <p:sp>
+        <p:nvSpPr>
+          <p:cNvPr id="257" name="Google Shape;257;p33"/>
+          <p:cNvSpPr txBox="1">
+            <a:spLocks noGrp="1"/>
+          </p:cNvSpPr>
+          <p:nvPr>
+            <p:ph type="title" idx="21"/>
+          </p:nvPr>
+        </p:nvSpPr>
+        <p:spPr>
+          <a:xfrm>
+            <a:off x="713225" y="537650"/>
+            <a:ext cx="7717500" cy="572700"/>
+          </a:xfrm>
+          <a:prstGeom prst="rect">
+            <a:avLst/>
+          </a:prstGeom>
+        </p:spPr>
+        <p:txBody>
+          <a:bodyPr spcFirstLastPara="1" wrap="square" lIns="91425" tIns="91425" rIns="91425" bIns="91425" anchor="ctr" anchorCtr="0">
+            <a:noAutofit/>
+          </a:bodyPr>
+          <a:lstStyle/>
+          <a:p>
+            <a:pPr marL="0" lvl="0" indent="0" algn="ctr" rtl="0">
+              <a:spcBef>
+                <a:spcPts val="0"/>
+              </a:spcBef>
+              <a:spcAft>
+                <a:spcPts val="0"/>
+              </a:spcAft>
+              <a:buNone/>
+            </a:pPr>
+            <a:r>
+              <a:rPr lang="en"/>
+              <a:t>Contenidos</a:t>
+            </a:r>
+            <a:endParaRPr/>
+          </a:p>
+        </p:txBody>
+      </p:sp>
+      <p:sp>
+        <p:nvSpPr>
+          <p:cNvPr id="258" name="Google Shape;258;p33"/>
+          <p:cNvSpPr txBox="1">
+            <a:spLocks noGrp="1"/>
+          </p:cNvSpPr>
+          <p:nvPr>
+            <p:ph type="title"/>
+          </p:nvPr>
+        </p:nvSpPr>
+        <p:spPr>
+          <a:xfrm>
+            <a:off x="1534475" y="1359711"/>
+            <a:ext cx="901200" cy="385200"/>
+          </a:xfrm>
+          <a:prstGeom prst="rect">
+            <a:avLst/>
+          </a:prstGeom>
+        </p:spPr>
+        <p:txBody>
+          <a:bodyPr spcFirstLastPara="1" wrap="square" lIns="91425" tIns="91425" rIns="91425" bIns="91425" anchor="ctr" anchorCtr="0">
+            <a:noAutofit/>
+          </a:bodyPr>
+          <a:lstStyle/>
+          <a:p>
+            <a:pPr marL="0" lvl="0" indent="0" algn="ctr" rtl="0">
+              <a:lnSpc>
+                <a:spcPct val="100000"/>
+              </a:lnSpc>
+              <a:spcBef>
+                <a:spcPts val="0"/>
+              </a:spcBef>
+              <a:spcAft>
+                <a:spcPts val="0"/>
+              </a:spcAft>
+              <a:buNone/>
+            </a:pPr>
+            <a:r>
+              <a:rPr lang="en">
+                <a:latin typeface="Anek Gurmukhi ExtraBold"/>
+                <a:ea typeface="Anek Gurmukhi ExtraBold"/>
+                <a:cs typeface="Anek Gurmukhi ExtraBold"/>
+                <a:sym typeface="Anek Gurmukhi ExtraBold"/>
+              </a:rPr>
+              <a:t>01</a:t>
+            </a:r>
+            <a:endParaRPr>
+              <a:latin typeface="Anek Gurmukhi ExtraBold"/>
+              <a:ea typeface="Anek Gurmukhi ExtraBold"/>
+              <a:cs typeface="Anek Gurmukhi ExtraBold"/>
+              <a:sym typeface="Anek Gurmukhi ExtraBold"/>
+            </a:endParaRPr>
+          </a:p>
+        </p:txBody>
+      </p:sp>
+      <p:sp>
+        <p:nvSpPr>
+          <p:cNvPr id="259" name="Google Shape;259;p33"/>
+          <p:cNvSpPr txBox="1">
+            <a:spLocks noGrp="1"/>
+          </p:cNvSpPr>
+          <p:nvPr>
+            <p:ph type="title" idx="16"/>
+          </p:nvPr>
+        </p:nvSpPr>
+        <p:spPr>
+          <a:xfrm>
+            <a:off x="4121400" y="3066683"/>
+            <a:ext cx="901200" cy="385200"/>
+          </a:xfrm>
+          <a:prstGeom prst="rect">
+            <a:avLst/>
+          </a:prstGeom>
+        </p:spPr>
+        <p:txBody>
+          <a:bodyPr spcFirstLastPara="1" wrap="square" lIns="91425" tIns="91425" rIns="91425" bIns="91425" anchor="ctr" anchorCtr="0">
+            <a:noAutofit/>
+          </a:bodyPr>
+          <a:lstStyle/>
+          <a:p>
+            <a:pPr marL="0" lvl="0" indent="0" algn="ctr" rtl="0">
+              <a:lnSpc>
+                <a:spcPct val="100000"/>
+              </a:lnSpc>
+              <a:spcBef>
+                <a:spcPts val="0"/>
+              </a:spcBef>
+              <a:spcAft>
+                <a:spcPts val="0"/>
+              </a:spcAft>
+              <a:buNone/>
+            </a:pPr>
+            <a:r>
+              <a:rPr lang="en">
+                <a:latin typeface="Anek Gurmukhi ExtraBold"/>
+                <a:ea typeface="Anek Gurmukhi ExtraBold"/>
+                <a:cs typeface="Anek Gurmukhi ExtraBold"/>
+                <a:sym typeface="Anek Gurmukhi ExtraBold"/>
+              </a:rPr>
+              <a:t>05</a:t>
+            </a:r>
+            <a:endParaRPr>
+              <a:latin typeface="Anek Gurmukhi ExtraBold"/>
+              <a:ea typeface="Anek Gurmukhi ExtraBold"/>
+              <a:cs typeface="Anek Gurmukhi ExtraBold"/>
+              <a:sym typeface="Anek Gurmukhi ExtraBold"/>
+            </a:endParaRPr>
+          </a:p>
+        </p:txBody>
+      </p:sp>
+      <p:sp>
+        <p:nvSpPr>
+          <p:cNvPr id="260" name="Google Shape;260;p33"/>
+          <p:cNvSpPr txBox="1">
+            <a:spLocks noGrp="1"/>
+          </p:cNvSpPr>
+          <p:nvPr>
+            <p:ph type="title" idx="17"/>
+          </p:nvPr>
+        </p:nvSpPr>
+        <p:spPr>
+          <a:xfrm>
+            <a:off x="1534475" y="3065619"/>
+            <a:ext cx="901200" cy="385200"/>
+          </a:xfrm>
+          <a:prstGeom prst="rect">
+            <a:avLst/>
+          </a:prstGeom>
+        </p:spPr>
+        <p:txBody>
+          <a:bodyPr spcFirstLastPara="1" wrap="square" lIns="91425" tIns="91425" rIns="91425" bIns="91425" anchor="ctr" anchorCtr="0">
+            <a:noAutofit/>
+          </a:bodyPr>
+          <a:lstStyle/>
+          <a:p>
+            <a:pPr marL="0" lvl="0" indent="0" algn="ctr" rtl="0">
+              <a:lnSpc>
+                <a:spcPct val="100000"/>
+              </a:lnSpc>
+              <a:spcBef>
+                <a:spcPts val="0"/>
+              </a:spcBef>
+              <a:spcAft>
+                <a:spcPts val="0"/>
+              </a:spcAft>
+              <a:buNone/>
+            </a:pPr>
+            <a:r>
+              <a:rPr lang="en">
+                <a:latin typeface="Anek Gurmukhi ExtraBold"/>
+                <a:ea typeface="Anek Gurmukhi ExtraBold"/>
+                <a:cs typeface="Anek Gurmukhi ExtraBold"/>
+                <a:sym typeface="Anek Gurmukhi ExtraBold"/>
+              </a:rPr>
+              <a:t>04</a:t>
+            </a:r>
+            <a:endParaRPr>
+              <a:latin typeface="Anek Gurmukhi ExtraBold"/>
+              <a:ea typeface="Anek Gurmukhi ExtraBold"/>
+              <a:cs typeface="Anek Gurmukhi ExtraBold"/>
+              <a:sym typeface="Anek Gurmukhi ExtraBold"/>
+            </a:endParaRPr>
+          </a:p>
+        </p:txBody>
+      </p:sp>
+      <p:sp>
+        <p:nvSpPr>
+          <p:cNvPr id="261" name="Google Shape;261;p33"/>
+          <p:cNvSpPr txBox="1">
+            <a:spLocks noGrp="1"/>
+          </p:cNvSpPr>
+          <p:nvPr>
+            <p:ph type="title" idx="18"/>
+          </p:nvPr>
+        </p:nvSpPr>
+        <p:spPr>
+          <a:xfrm>
+            <a:off x="4121400" y="1360775"/>
+            <a:ext cx="901200" cy="385200"/>
+          </a:xfrm>
+          <a:prstGeom prst="rect">
+            <a:avLst/>
+          </a:prstGeom>
+        </p:spPr>
+        <p:txBody>
+          <a:bodyPr spcFirstLastPara="1" wrap="square" lIns="91425" tIns="91425" rIns="91425" bIns="91425" anchor="ctr" anchorCtr="0">
+            <a:noAutofit/>
+          </a:bodyPr>
+          <a:lstStyle/>
+          <a:p>
+            <a:pPr marL="0" lvl="0" indent="0" algn="ctr" rtl="0">
+              <a:lnSpc>
+                <a:spcPct val="100000"/>
+              </a:lnSpc>
+              <a:spcBef>
+                <a:spcPts val="0"/>
+              </a:spcBef>
+              <a:spcAft>
+                <a:spcPts val="0"/>
+              </a:spcAft>
+              <a:buNone/>
+            </a:pPr>
+            <a:r>
+              <a:rPr lang="en">
+                <a:latin typeface="Anek Gurmukhi ExtraBold"/>
+                <a:ea typeface="Anek Gurmukhi ExtraBold"/>
+                <a:cs typeface="Anek Gurmukhi ExtraBold"/>
+                <a:sym typeface="Anek Gurmukhi ExtraBold"/>
+              </a:rPr>
+              <a:t>02</a:t>
+            </a:r>
+            <a:endParaRPr>
+              <a:latin typeface="Anek Gurmukhi ExtraBold"/>
+              <a:ea typeface="Anek Gurmukhi ExtraBold"/>
+              <a:cs typeface="Anek Gurmukhi ExtraBold"/>
+              <a:sym typeface="Anek Gurmukhi ExtraBold"/>
+            </a:endParaRPr>
+          </a:p>
+        </p:txBody>
+      </p:sp>
+      <p:sp>
+        <p:nvSpPr>
+          <p:cNvPr id="262" name="Google Shape;262;p33"/>
+          <p:cNvSpPr txBox="1">
+            <a:spLocks noGrp="1"/>
+          </p:cNvSpPr>
+          <p:nvPr>
+            <p:ph type="title" idx="19"/>
+          </p:nvPr>
+        </p:nvSpPr>
+        <p:spPr>
+          <a:xfrm>
+            <a:off x="6708325" y="3065619"/>
+            <a:ext cx="901200" cy="385200"/>
+          </a:xfrm>
+          <a:prstGeom prst="rect">
+            <a:avLst/>
+          </a:prstGeom>
+        </p:spPr>
+        <p:txBody>
+          <a:bodyPr spcFirstLastPara="1" wrap="square" lIns="91425" tIns="91425" rIns="91425" bIns="91425" anchor="ctr" anchorCtr="0">
+            <a:noAutofit/>
+          </a:bodyPr>
+          <a:lstStyle/>
+          <a:p>
+            <a:pPr marL="0" lvl="0" indent="0" algn="ctr" rtl="0">
+              <a:lnSpc>
+                <a:spcPct val="100000"/>
+              </a:lnSpc>
+              <a:spcBef>
+                <a:spcPts val="0"/>
+              </a:spcBef>
+              <a:spcAft>
+                <a:spcPts val="0"/>
+              </a:spcAft>
+              <a:buNone/>
+            </a:pPr>
+            <a:r>
+              <a:rPr lang="en">
+                <a:latin typeface="Anek Gurmukhi ExtraBold"/>
+                <a:ea typeface="Anek Gurmukhi ExtraBold"/>
+                <a:cs typeface="Anek Gurmukhi ExtraBold"/>
+                <a:sym typeface="Anek Gurmukhi ExtraBold"/>
+              </a:rPr>
+              <a:t>06</a:t>
+            </a:r>
+            <a:endParaRPr>
+              <a:latin typeface="Anek Gurmukhi ExtraBold"/>
+              <a:ea typeface="Anek Gurmukhi ExtraBold"/>
+              <a:cs typeface="Anek Gurmukhi ExtraBold"/>
+              <a:sym typeface="Anek Gurmukhi ExtraBold"/>
+            </a:endParaRPr>
+          </a:p>
+        </p:txBody>
+      </p:sp>
+      <p:sp>
+        <p:nvSpPr>
+          <p:cNvPr id="263" name="Google Shape;263;p33"/>
+          <p:cNvSpPr txBox="1">
+            <a:spLocks noGrp="1"/>
+          </p:cNvSpPr>
+          <p:nvPr>
+            <p:ph type="title" idx="20"/>
+          </p:nvPr>
+        </p:nvSpPr>
+        <p:spPr>
+          <a:xfrm>
+            <a:off x="6708325" y="1351495"/>
+            <a:ext cx="901200" cy="385200"/>
+          </a:xfrm>
+          <a:prstGeom prst="rect">
+            <a:avLst/>
+          </a:prstGeom>
+        </p:spPr>
+        <p:txBody>
+          <a:bodyPr spcFirstLastPara="1" wrap="square" lIns="91425" tIns="91425" rIns="91425" bIns="91425" anchor="ctr" anchorCtr="0">
+            <a:noAutofit/>
+          </a:bodyPr>
+          <a:lstStyle/>
+          <a:p>
+            <a:pPr marL="0" lvl="0" indent="0" algn="ctr" rtl="0">
+              <a:lnSpc>
+                <a:spcPct val="100000"/>
+              </a:lnSpc>
+              <a:spcBef>
+                <a:spcPts val="0"/>
+              </a:spcBef>
+              <a:spcAft>
+                <a:spcPts val="0"/>
+              </a:spcAft>
+              <a:buNone/>
+            </a:pPr>
+            <a:r>
+              <a:rPr lang="en">
+                <a:latin typeface="Anek Gurmukhi ExtraBold"/>
+                <a:ea typeface="Anek Gurmukhi ExtraBold"/>
+                <a:cs typeface="Anek Gurmukhi ExtraBold"/>
+                <a:sym typeface="Anek Gurmukhi ExtraBold"/>
+              </a:rPr>
+              <a:t>03</a:t>
+            </a:r>
+            <a:endParaRPr>
+              <a:latin typeface="Anek Gurmukhi ExtraBold"/>
+              <a:ea typeface="Anek Gurmukhi ExtraBold"/>
+              <a:cs typeface="Anek Gurmukhi ExtraBold"/>
+              <a:sym typeface="Anek Gurmukhi ExtraBold"/>
+            </a:endParaRPr>
+          </a:p>
+        </p:txBody>
+      </p:sp>
+      <p:sp>
+        <p:nvSpPr>
+          <p:cNvPr id="264" name="Google Shape;264;p33"/>
+          <p:cNvSpPr txBox="1">
+            <a:spLocks noGrp="1"/>
+          </p:cNvSpPr>
+          <p:nvPr>
+            <p:ph type="subTitle" idx="7"/>
+          </p:nvPr>
+        </p:nvSpPr>
+        <p:spPr>
+          <a:xfrm>
+            <a:off x="713225" y="1895388"/>
+            <a:ext cx="2543700" cy="385200"/>
+          </a:xfrm>
+          <a:prstGeom prst="rect">
+            <a:avLst/>
+          </a:prstGeom>
+        </p:spPr>
+        <p:txBody>
+          <a:bodyPr spcFirstLastPara="1" wrap="square" lIns="91425" tIns="91425" rIns="91425" bIns="91425" anchor="b" anchorCtr="0">
+            <a:noAutofit/>
+          </a:bodyPr>
+          <a:lstStyle/>
+          <a:p>
+            <a:pPr marL="0" lvl="0" indent="0" algn="ctr" rtl="0">
+              <a:lnSpc>
+                <a:spcPct val="100000"/>
+              </a:lnSpc>
+              <a:spcBef>
+                <a:spcPts val="0"/>
+              </a:spcBef>
+              <a:spcAft>
+                <a:spcPts val="0"/>
+              </a:spcAft>
+              <a:buNone/>
+            </a:pPr>
+            <a:r>
+              <a:rPr lang="en"/>
+              <a:t>Objetivo</a:t>
+            </a:r>
+            <a:endParaRPr sz="2400">
+              <a:latin typeface="Anek Gurmukhi ExtraBold"/>
+              <a:ea typeface="Anek Gurmukhi ExtraBold"/>
+              <a:cs typeface="Anek Gurmukhi ExtraBold"/>
+              <a:sym typeface="Anek Gurmukhi ExtraBold"/>
+            </a:endParaRPr>
+          </a:p>
+        </p:txBody>
+      </p:sp>
+      <p:sp>
+        <p:nvSpPr>
+          <p:cNvPr id="265" name="Google Shape;265;p33"/>
+          <p:cNvSpPr txBox="1">
+            <a:spLocks noGrp="1"/>
+          </p:cNvSpPr>
+          <p:nvPr>
+            <p:ph type="subTitle" idx="8"/>
+          </p:nvPr>
+        </p:nvSpPr>
+        <p:spPr>
+          <a:xfrm>
+            <a:off x="713225" y="3868595"/>
+            <a:ext cx="2543700" cy="385200"/>
+          </a:xfrm>
+          <a:prstGeom prst="rect">
+            <a:avLst/>
+          </a:prstGeom>
+        </p:spPr>
+        <p:txBody>
+          <a:bodyPr spcFirstLastPara="1" wrap="square" lIns="91425" tIns="91425" rIns="91425" bIns="91425" anchor="b" anchorCtr="0">
+            <a:noAutofit/>
+          </a:bodyPr>
+          <a:lstStyle/>
+          <a:p>
+            <a:pPr marL="0" lvl="0" indent="0" algn="ctr" rtl="0">
+              <a:lnSpc>
+                <a:spcPct val="100000"/>
+              </a:lnSpc>
+              <a:spcBef>
+                <a:spcPts val="0"/>
+              </a:spcBef>
+              <a:spcAft>
+                <a:spcPts val="0"/>
+              </a:spcAft>
+              <a:buNone/>
+            </a:pPr>
+            <a:r>
+              <a:rPr lang="en"/>
+              <a:t>Preguntas de Interés</a:t>
+            </a:r>
+            <a:endParaRPr sz="2400">
+              <a:latin typeface="Anek Gurmukhi ExtraBold"/>
+              <a:ea typeface="Anek Gurmukhi ExtraBold"/>
+              <a:cs typeface="Anek Gurmukhi ExtraBold"/>
+              <a:sym typeface="Anek Gurmukhi ExtraBold"/>
+            </a:endParaRPr>
+          </a:p>
+        </p:txBody>
+      </p:sp>
+      <p:sp>
+        <p:nvSpPr>
+          <p:cNvPr id="266" name="Google Shape;266;p33"/>
+          <p:cNvSpPr txBox="1">
+            <a:spLocks noGrp="1"/>
+          </p:cNvSpPr>
+          <p:nvPr>
+            <p:ph type="subTitle" idx="9"/>
+          </p:nvPr>
+        </p:nvSpPr>
+        <p:spPr>
+          <a:xfrm>
+            <a:off x="3300150" y="3550853"/>
+            <a:ext cx="2543700" cy="385200"/>
+          </a:xfrm>
+          <a:prstGeom prst="rect">
+            <a:avLst/>
+          </a:prstGeom>
+        </p:spPr>
+        <p:txBody>
+          <a:bodyPr spcFirstLastPara="1" wrap="square" lIns="91425" tIns="91425" rIns="91425" bIns="91425" anchor="b" anchorCtr="0">
+            <a:noAutofit/>
+          </a:bodyPr>
+          <a:lstStyle/>
+          <a:p>
+            <a:pPr marL="0" lvl="0" indent="0" algn="ctr" rtl="0">
+              <a:lnSpc>
+                <a:spcPct val="100000"/>
+              </a:lnSpc>
+              <a:spcBef>
+                <a:spcPts val="0"/>
+              </a:spcBef>
+              <a:spcAft>
+                <a:spcPts val="0"/>
+              </a:spcAft>
+              <a:buNone/>
+            </a:pPr>
+            <a:r>
+              <a:rPr lang="en" sz="2400">
+                <a:latin typeface="Anek Gurmukhi ExtraBold"/>
+                <a:ea typeface="Anek Gurmukhi ExtraBold"/>
+                <a:cs typeface="Anek Gurmukhi ExtraBold"/>
+                <a:sym typeface="Anek Gurmukhi ExtraBold"/>
+              </a:rPr>
+              <a:t>Anal</a:t>
+            </a:r>
+            <a:r>
+              <a:rPr lang="en"/>
+              <a:t>i</a:t>
+            </a:r>
+            <a:r>
+              <a:rPr lang="en" sz="2400">
+                <a:latin typeface="Anek Gurmukhi ExtraBold"/>
+                <a:ea typeface="Anek Gurmukhi ExtraBold"/>
+                <a:cs typeface="Anek Gurmukhi ExtraBold"/>
+                <a:sym typeface="Anek Gurmukhi ExtraBold"/>
+              </a:rPr>
+              <a:t>sis</a:t>
+            </a:r>
+            <a:endParaRPr sz="2400">
+              <a:latin typeface="Anek Gurmukhi ExtraBold"/>
+              <a:ea typeface="Anek Gurmukhi ExtraBold"/>
+              <a:cs typeface="Anek Gurmukhi ExtraBold"/>
+              <a:sym typeface="Anek Gurmukhi ExtraBold"/>
+            </a:endParaRPr>
+          </a:p>
+        </p:txBody>
+      </p:sp>
+      <p:sp>
+        <p:nvSpPr>
+          <p:cNvPr id="267" name="Google Shape;267;p33"/>
+          <p:cNvSpPr txBox="1">
+            <a:spLocks noGrp="1"/>
+          </p:cNvSpPr>
+          <p:nvPr>
+            <p:ph type="subTitle" idx="13"/>
+          </p:nvPr>
+        </p:nvSpPr>
+        <p:spPr>
+          <a:xfrm>
+            <a:off x="3300150" y="2274607"/>
+            <a:ext cx="2543700" cy="385200"/>
+          </a:xfrm>
+          <a:prstGeom prst="rect">
+            <a:avLst/>
+          </a:prstGeom>
+        </p:spPr>
+        <p:txBody>
+          <a:bodyPr spcFirstLastPara="1" wrap="square" lIns="91425" tIns="91425" rIns="91425" bIns="91425" anchor="b" anchorCtr="0">
+            <a:noAutofit/>
+          </a:bodyPr>
+          <a:lstStyle/>
+          <a:p>
+            <a:pPr marL="0" lvl="0" indent="0" algn="ctr" rtl="0">
+              <a:lnSpc>
+                <a:spcPct val="100000"/>
+              </a:lnSpc>
+              <a:spcBef>
+                <a:spcPts val="0"/>
+              </a:spcBef>
+              <a:spcAft>
+                <a:spcPts val="0"/>
+              </a:spcAft>
+              <a:buNone/>
+            </a:pPr>
+            <a:r>
+              <a:rPr lang="en"/>
+              <a:t>Contexto Comercial</a:t>
+            </a:r>
+            <a:endParaRPr sz="2400">
+              <a:latin typeface="Anek Gurmukhi ExtraBold"/>
+              <a:ea typeface="Anek Gurmukhi ExtraBold"/>
+              <a:cs typeface="Anek Gurmukhi ExtraBold"/>
+              <a:sym typeface="Anek Gurmukhi ExtraBold"/>
+            </a:endParaRPr>
+          </a:p>
+        </p:txBody>
+      </p:sp>
+      <p:sp>
+        <p:nvSpPr>
+          <p:cNvPr id="268" name="Google Shape;268;p33"/>
+          <p:cNvSpPr txBox="1">
+            <a:spLocks noGrp="1"/>
+          </p:cNvSpPr>
+          <p:nvPr>
+            <p:ph type="subTitle" idx="14"/>
+          </p:nvPr>
+        </p:nvSpPr>
+        <p:spPr>
+          <a:xfrm>
+            <a:off x="5887075" y="3549620"/>
+            <a:ext cx="2543700" cy="385200"/>
+          </a:xfrm>
+          <a:prstGeom prst="rect">
+            <a:avLst/>
+          </a:prstGeom>
+        </p:spPr>
+        <p:txBody>
+          <a:bodyPr spcFirstLastPara="1" wrap="square" lIns="91425" tIns="91425" rIns="91425" bIns="91425" anchor="b" anchorCtr="0">
+            <a:noAutofit/>
+          </a:bodyPr>
+          <a:lstStyle/>
+          <a:p>
+            <a:pPr marL="0" lvl="0" indent="0" algn="ctr" rtl="0">
+              <a:lnSpc>
+                <a:spcPct val="100000"/>
+              </a:lnSpc>
+              <a:spcBef>
+                <a:spcPts val="0"/>
+              </a:spcBef>
+              <a:spcAft>
+                <a:spcPts val="0"/>
+              </a:spcAft>
+              <a:buNone/>
+            </a:pPr>
+            <a:r>
+              <a:rPr lang="en"/>
+              <a:t>Conclusiones</a:t>
+            </a:r>
+            <a:endParaRPr sz="2400">
+              <a:latin typeface="Anek Gurmukhi ExtraBold"/>
+              <a:ea typeface="Anek Gurmukhi ExtraBold"/>
+              <a:cs typeface="Anek Gurmukhi ExtraBold"/>
+              <a:sym typeface="Anek Gurmukhi ExtraBold"/>
+            </a:endParaRPr>
+          </a:p>
+        </p:txBody>
+      </p:sp>
+      <p:sp>
+        <p:nvSpPr>
+          <p:cNvPr id="269" name="Google Shape;269;p33"/>
+          <p:cNvSpPr txBox="1">
+            <a:spLocks noGrp="1"/>
+          </p:cNvSpPr>
+          <p:nvPr>
+            <p:ph type="subTitle" idx="15"/>
+          </p:nvPr>
+        </p:nvSpPr>
+        <p:spPr>
+          <a:xfrm>
+            <a:off x="5887075" y="2273975"/>
+            <a:ext cx="2543700" cy="385200"/>
+          </a:xfrm>
+          <a:prstGeom prst="rect">
+            <a:avLst/>
+          </a:prstGeom>
+        </p:spPr>
+        <p:txBody>
+          <a:bodyPr spcFirstLastPara="1" wrap="square" lIns="91425" tIns="91425" rIns="91425" bIns="91425" anchor="b" anchorCtr="0">
+            <a:noAutofit/>
+          </a:bodyPr>
+          <a:lstStyle/>
+          <a:p>
+            <a:pPr marL="0" lvl="0" indent="0" algn="ctr" rtl="0">
+              <a:lnSpc>
+                <a:spcPct val="100000"/>
+              </a:lnSpc>
+              <a:spcBef>
+                <a:spcPts val="0"/>
+              </a:spcBef>
+              <a:spcAft>
+                <a:spcPts val="0"/>
+              </a:spcAft>
+              <a:buNone/>
+            </a:pPr>
+            <a:r>
+              <a:rPr lang="en"/>
+              <a:t>Contexto analitico</a:t>
+            </a:r>
+            <a:endParaRPr sz="2400">
+              <a:latin typeface="Anek Gurmukhi ExtraBold"/>
+              <a:ea typeface="Anek Gurmukhi ExtraBold"/>
+              <a:cs typeface="Anek Gurmukhi ExtraBold"/>
+              <a:sym typeface="Anek Gurmukhi ExtraBold"/>
+            </a:endParaRPr>
+          </a:p>
+        </p:txBody>
+      </p:sp>
+      <p:cxnSp>
+        <p:nvCxnSpPr>
+          <p:cNvPr id="270" name="Google Shape;270;p33">
+            <a:hlinkClick r:id="" action="ppaction://hlinkshowjump?jump=nextslide"/>
+          </p:cNvPr>
+          <p:cNvCxnSpPr/>
+          <p:nvPr/>
+        </p:nvCxnSpPr>
+        <p:spPr>
+          <a:xfrm>
+            <a:off x="8630950" y="275125"/>
+            <a:ext cx="286800" cy="0"/>
+          </a:xfrm>
+          <a:prstGeom prst="straightConnector1">
+            <a:avLst/>
+          </a:prstGeom>
+          <a:noFill/>
+          <a:ln w="9525" cap="flat" cmpd="sng">
+            <a:solidFill>
+              <a:schemeClr val="lt2"/>
+            </a:solidFill>
+            <a:prstDash val="solid"/>
+            <a:round/>
+            <a:headEnd type="none" w="med" len="med"/>
+            <a:tailEnd type="triangle" w="med" len="med"/>
+          </a:ln>
+        </p:spPr>
+      </p:cxnSp>
+      <p:cxnSp>
+        <p:nvCxnSpPr>
+          <p:cNvPr id="271" name="Google Shape;271;p33">
+            <a:hlinkClick r:id="" action="ppaction://hlinkshowjump?jump=previousslide"/>
+          </p:cNvPr>
+          <p:cNvCxnSpPr/>
+          <p:nvPr/>
+        </p:nvCxnSpPr>
+        <p:spPr>
+          <a:xfrm rot="10800000">
+            <a:off x="213075" y="275125"/>
+            <a:ext cx="286800" cy="0"/>
+          </a:xfrm>
+          <a:prstGeom prst="straightConnector1">
+            <a:avLst/>
+          </a:prstGeom>
+          <a:noFill/>
+          <a:ln w="9525" cap="flat" cmpd="sng">
+            <a:solidFill>
+              <a:schemeClr val="lt2"/>
+            </a:solidFill>
+            <a:prstDash val="solid"/>
+            <a:round/>
+            <a:headEnd type="none" w="med" len="med"/>
+            <a:tailEnd type="triangle" w="med" len="med"/>
+          </a:ln>
+        </p:spPr>
+      </p:cxnSp>
+    </p:spTree>
+  </p:cSld>
+  <p:clrMapOvr>
+    <a:masterClrMapping/>
+  </p:clrMapOvr>
+</p:sld>
+</file>
+
+<file path=ppt/slides/slide20.xml><?xml version="1.0" encoding="utf-8"?>
 <p:sld xmlns:a="http://schemas.openxmlformats.org/drawingml/2006/main" xmlns:r="http://schemas.openxmlformats.org/officeDocument/2006/relationships" xmlns:p="http://schemas.openxmlformats.org/presentationml/2006/main">
   <p:cSld>
     <p:spTree>
@@ -39400,7 +38320,7 @@
 </p:sld>
 </file>
 
-<file path=ppt/slides/slide22.xml><?xml version="1.0" encoding="utf-8"?>
+<file path=ppt/slides/slide21.xml><?xml version="1.0" encoding="utf-8"?>
 <p:sld xmlns:a="http://schemas.openxmlformats.org/drawingml/2006/main" xmlns:r="http://schemas.openxmlformats.org/officeDocument/2006/relationships" xmlns:p="http://schemas.openxmlformats.org/presentationml/2006/main">
   <p:cSld>
     <p:spTree>
@@ -39895,7 +38815,7 @@
 </p:sld>
 </file>
 
-<file path=ppt/slides/slide23.xml><?xml version="1.0" encoding="utf-8"?>
+<file path=ppt/slides/slide22.xml><?xml version="1.0" encoding="utf-8"?>
 <p:sld xmlns:a="http://schemas.openxmlformats.org/drawingml/2006/main" xmlns:r="http://schemas.openxmlformats.org/officeDocument/2006/relationships" xmlns:p="http://schemas.openxmlformats.org/presentationml/2006/main">
   <p:cSld>
     <p:spTree>
@@ -40662,7 +39582,7 @@
 </p:sld>
 </file>
 
-<file path=ppt/slides/slide24.xml><?xml version="1.0" encoding="utf-8"?>
+<file path=ppt/slides/slide23.xml><?xml version="1.0" encoding="utf-8"?>
 <p:sld xmlns:a="http://schemas.openxmlformats.org/drawingml/2006/main" xmlns:r="http://schemas.openxmlformats.org/officeDocument/2006/relationships" xmlns:p="http://schemas.openxmlformats.org/presentationml/2006/main">
   <p:cSld>
     <p:spTree>
@@ -40967,7 +39887,7 @@
 </p:sld>
 </file>
 
-<file path=ppt/slides/slide25.xml><?xml version="1.0" encoding="utf-8"?>
+<file path=ppt/slides/slide24.xml><?xml version="1.0" encoding="utf-8"?>
 <p:sld xmlns:a="http://schemas.openxmlformats.org/drawingml/2006/main" xmlns:r="http://schemas.openxmlformats.org/officeDocument/2006/relationships" xmlns:p="http://schemas.openxmlformats.org/presentationml/2006/main">
   <p:cSld>
     <p:spTree>
@@ -41194,7 +40114,7 @@
 </p:sld>
 </file>
 
-<file path=ppt/slides/slide26.xml><?xml version="1.0" encoding="utf-8"?>
+<file path=ppt/slides/slide25.xml><?xml version="1.0" encoding="utf-8"?>
 <p:sld xmlns:a="http://schemas.openxmlformats.org/drawingml/2006/main" xmlns:r="http://schemas.openxmlformats.org/officeDocument/2006/relationships" xmlns:p="http://schemas.openxmlformats.org/presentationml/2006/main">
   <p:cSld>
     <p:spTree>
@@ -44099,7 +43019,7 @@
 </p:sld>
 </file>
 
-<file path=ppt/slides/slide27.xml><?xml version="1.0" encoding="utf-8"?>
+<file path=ppt/slides/slide26.xml><?xml version="1.0" encoding="utf-8"?>
 <p:sld xmlns:a="http://schemas.openxmlformats.org/drawingml/2006/main" xmlns:r="http://schemas.openxmlformats.org/officeDocument/2006/relationships" xmlns:p="http://schemas.openxmlformats.org/presentationml/2006/main">
   <p:cSld>
     <p:spTree>
@@ -44331,7 +43251,7 @@
 </p:sld>
 </file>
 
-<file path=ppt/slides/slide28.xml><?xml version="1.0" encoding="utf-8"?>
+<file path=ppt/slides/slide27.xml><?xml version="1.0" encoding="utf-8"?>
 <p:sld xmlns:a="http://schemas.openxmlformats.org/drawingml/2006/main" xmlns:r="http://schemas.openxmlformats.org/officeDocument/2006/relationships" xmlns:p="http://schemas.openxmlformats.org/presentationml/2006/main">
   <p:cSld>
     <p:bg>
@@ -51802,562 +50722,6 @@
   <p:cSld>
     <p:spTree>
       <p:nvGrpSpPr>
-        <p:cNvPr id="1" name="Shape 469"/>
-        <p:cNvGrpSpPr/>
-        <p:nvPr/>
-      </p:nvGrpSpPr>
-      <p:grpSpPr>
-        <a:xfrm>
-          <a:off x="0" y="0"/>
-          <a:ext cx="0" cy="0"/>
-          <a:chOff x="0" y="0"/>
-          <a:chExt cx="0" cy="0"/>
-        </a:xfrm>
-      </p:grpSpPr>
-      <p:pic>
-        <p:nvPicPr>
-          <p:cNvPr id="470" name="Google Shape;470;p44"/>
-          <p:cNvPicPr preferRelativeResize="0"/>
-          <p:nvPr/>
-        </p:nvPicPr>
-        <p:blipFill>
-          <a:blip r:embed="rId3">
-            <a:alphaModFix/>
-          </a:blip>
-          <a:stretch>
-            <a:fillRect/>
-          </a:stretch>
-        </p:blipFill>
-        <p:spPr>
-          <a:xfrm>
-            <a:off x="5376254" y="963649"/>
-            <a:ext cx="2093824" cy="2481950"/>
-          </a:xfrm>
-          <a:prstGeom prst="rect">
-            <a:avLst/>
-          </a:prstGeom>
-          <a:noFill/>
-          <a:ln>
-            <a:noFill/>
-          </a:ln>
-        </p:spPr>
-      </p:pic>
-      <p:grpSp>
-        <p:nvGrpSpPr>
-          <p:cNvPr id="471" name="Google Shape;471;p44"/>
-          <p:cNvGrpSpPr/>
-          <p:nvPr/>
-        </p:nvGrpSpPr>
-        <p:grpSpPr>
-          <a:xfrm>
-            <a:off x="4480638" y="275128"/>
-            <a:ext cx="3668100" cy="3666900"/>
-            <a:chOff x="4559388" y="377953"/>
-            <a:chExt cx="3668100" cy="3666900"/>
-          </a:xfrm>
-        </p:grpSpPr>
-        <p:sp>
-          <p:nvSpPr>
-            <p:cNvPr id="472" name="Google Shape;472;p44"/>
-            <p:cNvSpPr/>
-            <p:nvPr/>
-          </p:nvSpPr>
-          <p:spPr>
-            <a:xfrm rot="-2699254">
-              <a:off x="4438641" y="1572885"/>
-              <a:ext cx="3909593" cy="1277035"/>
-            </a:xfrm>
-            <a:prstGeom prst="ellipse">
-              <a:avLst/>
-            </a:prstGeom>
-            <a:noFill/>
-            <a:ln w="9525" cap="flat" cmpd="sng">
-              <a:solidFill>
-                <a:schemeClr val="accent1"/>
-              </a:solidFill>
-              <a:prstDash val="solid"/>
-              <a:round/>
-              <a:headEnd type="none" w="sm" len="sm"/>
-              <a:tailEnd type="none" w="sm" len="sm"/>
-            </a:ln>
-          </p:spPr>
-          <p:txBody>
-            <a:bodyPr spcFirstLastPara="1" wrap="square" lIns="91425" tIns="91425" rIns="91425" bIns="91425" anchor="ctr" anchorCtr="0">
-              <a:noAutofit/>
-            </a:bodyPr>
-            <a:lstStyle/>
-            <a:p>
-              <a:pPr marL="0" lvl="0" indent="0" algn="l" rtl="0">
-                <a:spcBef>
-                  <a:spcPts val="0"/>
-                </a:spcBef>
-                <a:spcAft>
-                  <a:spcPts val="0"/>
-                </a:spcAft>
-                <a:buNone/>
-              </a:pPr>
-              <a:endParaRPr/>
-            </a:p>
-          </p:txBody>
-        </p:sp>
-        <p:sp>
-          <p:nvSpPr>
-            <p:cNvPr id="473" name="Google Shape;473;p44"/>
-            <p:cNvSpPr/>
-            <p:nvPr/>
-          </p:nvSpPr>
-          <p:spPr>
-            <a:xfrm>
-              <a:off x="4944500" y="3508425"/>
-              <a:ext cx="138000" cy="138000"/>
-            </a:xfrm>
-            <a:prstGeom prst="ellipse">
-              <a:avLst/>
-            </a:prstGeom>
-            <a:solidFill>
-              <a:schemeClr val="lt2"/>
-            </a:solidFill>
-            <a:ln w="28575" cap="flat" cmpd="sng">
-              <a:solidFill>
-                <a:schemeClr val="lt1"/>
-              </a:solidFill>
-              <a:prstDash val="solid"/>
-              <a:round/>
-              <a:headEnd type="none" w="sm" len="sm"/>
-              <a:tailEnd type="none" w="sm" len="sm"/>
-            </a:ln>
-          </p:spPr>
-          <p:txBody>
-            <a:bodyPr spcFirstLastPara="1" wrap="square" lIns="91425" tIns="91425" rIns="91425" bIns="91425" anchor="ctr" anchorCtr="0">
-              <a:noAutofit/>
-            </a:bodyPr>
-            <a:lstStyle/>
-            <a:p>
-              <a:pPr marL="0" lvl="0" indent="0" algn="l" rtl="0">
-                <a:spcBef>
-                  <a:spcPts val="0"/>
-                </a:spcBef>
-                <a:spcAft>
-                  <a:spcPts val="0"/>
-                </a:spcAft>
-                <a:buNone/>
-              </a:pPr>
-              <a:endParaRPr/>
-            </a:p>
-          </p:txBody>
-        </p:sp>
-        <p:sp>
-          <p:nvSpPr>
-            <p:cNvPr id="474" name="Google Shape;474;p44"/>
-            <p:cNvSpPr/>
-            <p:nvPr/>
-          </p:nvSpPr>
-          <p:spPr>
-            <a:xfrm>
-              <a:off x="7632300" y="712925"/>
-              <a:ext cx="219300" cy="219300"/>
-            </a:xfrm>
-            <a:prstGeom prst="ellipse">
-              <a:avLst/>
-            </a:prstGeom>
-            <a:solidFill>
-              <a:schemeClr val="lt2"/>
-            </a:solidFill>
-            <a:ln w="28575" cap="flat" cmpd="sng">
-              <a:solidFill>
-                <a:schemeClr val="lt1"/>
-              </a:solidFill>
-              <a:prstDash val="solid"/>
-              <a:round/>
-              <a:headEnd type="none" w="sm" len="sm"/>
-              <a:tailEnd type="none" w="sm" len="sm"/>
-            </a:ln>
-          </p:spPr>
-          <p:txBody>
-            <a:bodyPr spcFirstLastPara="1" wrap="square" lIns="91425" tIns="91425" rIns="91425" bIns="91425" anchor="ctr" anchorCtr="0">
-              <a:noAutofit/>
-            </a:bodyPr>
-            <a:lstStyle/>
-            <a:p>
-              <a:pPr marL="0" lvl="0" indent="0" algn="l" rtl="0">
-                <a:spcBef>
-                  <a:spcPts val="0"/>
-                </a:spcBef>
-                <a:spcAft>
-                  <a:spcPts val="0"/>
-                </a:spcAft>
-                <a:buNone/>
-              </a:pPr>
-              <a:endParaRPr/>
-            </a:p>
-          </p:txBody>
-        </p:sp>
-      </p:grpSp>
-      <p:sp>
-        <p:nvSpPr>
-          <p:cNvPr id="475" name="Google Shape;475;p44"/>
-          <p:cNvSpPr txBox="1">
-            <a:spLocks noGrp="1"/>
-          </p:cNvSpPr>
-          <p:nvPr>
-            <p:ph type="title"/>
-          </p:nvPr>
-        </p:nvSpPr>
-        <p:spPr>
-          <a:xfrm>
-            <a:off x="713225" y="1525800"/>
-            <a:ext cx="3456600" cy="1971300"/>
-          </a:xfrm>
-          <a:prstGeom prst="rect">
-            <a:avLst/>
-          </a:prstGeom>
-        </p:spPr>
-        <p:txBody>
-          <a:bodyPr spcFirstLastPara="1" wrap="square" lIns="91425" tIns="91425" rIns="91425" bIns="91425" anchor="b" anchorCtr="0">
-            <a:noAutofit/>
-          </a:bodyPr>
-          <a:lstStyle/>
-          <a:p>
-            <a:pPr marL="0" lvl="0" indent="0" algn="l" rtl="0">
-              <a:spcBef>
-                <a:spcPts val="0"/>
-              </a:spcBef>
-              <a:spcAft>
-                <a:spcPts val="0"/>
-              </a:spcAft>
-              <a:buNone/>
-            </a:pPr>
-            <a:r>
-              <a:rPr lang="en" sz="5500"/>
-              <a:t>Preguntas de interés</a:t>
-            </a:r>
-            <a:endParaRPr sz="5500"/>
-          </a:p>
-        </p:txBody>
-      </p:sp>
-      <p:sp>
-        <p:nvSpPr>
-          <p:cNvPr id="476" name="Google Shape;476;p44"/>
-          <p:cNvSpPr txBox="1">
-            <a:spLocks noGrp="1"/>
-          </p:cNvSpPr>
-          <p:nvPr>
-            <p:ph type="title" idx="2"/>
-          </p:nvPr>
-        </p:nvSpPr>
-        <p:spPr>
-          <a:xfrm>
-            <a:off x="1299468" y="829400"/>
-            <a:ext cx="1183500" cy="841800"/>
-          </a:xfrm>
-          <a:prstGeom prst="rect">
-            <a:avLst/>
-          </a:prstGeom>
-        </p:spPr>
-        <p:txBody>
-          <a:bodyPr spcFirstLastPara="1" wrap="square" lIns="91425" tIns="91425" rIns="91425" bIns="91425" anchor="ctr" anchorCtr="0">
-            <a:noAutofit/>
-          </a:bodyPr>
-          <a:lstStyle/>
-          <a:p>
-            <a:pPr marL="0" lvl="0" indent="0" algn="ctr" rtl="0">
-              <a:spcBef>
-                <a:spcPts val="0"/>
-              </a:spcBef>
-              <a:spcAft>
-                <a:spcPts val="0"/>
-              </a:spcAft>
-              <a:buNone/>
-            </a:pPr>
-            <a:r>
-              <a:rPr lang="en" dirty="0"/>
-              <a:t>04</a:t>
-            </a:r>
-            <a:endParaRPr dirty="0"/>
-          </a:p>
-        </p:txBody>
-      </p:sp>
-      <p:sp>
-        <p:nvSpPr>
-          <p:cNvPr id="477" name="Google Shape;477;p44"/>
-          <p:cNvSpPr/>
-          <p:nvPr/>
-        </p:nvSpPr>
-        <p:spPr>
-          <a:xfrm>
-            <a:off x="6194463" y="1975825"/>
-            <a:ext cx="457428" cy="457594"/>
-          </a:xfrm>
-          <a:custGeom>
-            <a:avLst/>
-            <a:gdLst/>
-            <a:ahLst/>
-            <a:cxnLst/>
-            <a:rect l="l" t="t" r="r" b="b"/>
-            <a:pathLst>
-              <a:path w="10982" h="10986" extrusionOk="0">
-                <a:moveTo>
-                  <a:pt x="4709" y="1"/>
-                </a:moveTo>
-                <a:lnTo>
-                  <a:pt x="4709" y="3603"/>
-                </a:lnTo>
-                <a:lnTo>
-                  <a:pt x="2163" y="1056"/>
-                </a:lnTo>
-                <a:lnTo>
-                  <a:pt x="1054" y="2163"/>
-                </a:lnTo>
-                <a:lnTo>
-                  <a:pt x="3599" y="4709"/>
-                </a:lnTo>
-                <a:lnTo>
-                  <a:pt x="1" y="4709"/>
-                </a:lnTo>
-                <a:lnTo>
-                  <a:pt x="1" y="6277"/>
-                </a:lnTo>
-                <a:lnTo>
-                  <a:pt x="3599" y="6277"/>
-                </a:lnTo>
-                <a:lnTo>
-                  <a:pt x="1054" y="8824"/>
-                </a:lnTo>
-                <a:lnTo>
-                  <a:pt x="2163" y="9930"/>
-                </a:lnTo>
-                <a:lnTo>
-                  <a:pt x="4709" y="7383"/>
-                </a:lnTo>
-                <a:lnTo>
-                  <a:pt x="4709" y="10986"/>
-                </a:lnTo>
-                <a:lnTo>
-                  <a:pt x="6273" y="10986"/>
-                </a:lnTo>
-                <a:lnTo>
-                  <a:pt x="6273" y="7383"/>
-                </a:lnTo>
-                <a:lnTo>
-                  <a:pt x="8819" y="9930"/>
-                </a:lnTo>
-                <a:lnTo>
-                  <a:pt x="9930" y="8824"/>
-                </a:lnTo>
-                <a:lnTo>
-                  <a:pt x="7383" y="6277"/>
-                </a:lnTo>
-                <a:lnTo>
-                  <a:pt x="10981" y="6277"/>
-                </a:lnTo>
-                <a:lnTo>
-                  <a:pt x="10981" y="4709"/>
-                </a:lnTo>
-                <a:lnTo>
-                  <a:pt x="7383" y="4709"/>
-                </a:lnTo>
-                <a:lnTo>
-                  <a:pt x="9930" y="2163"/>
-                </a:lnTo>
-                <a:lnTo>
-                  <a:pt x="8819" y="1056"/>
-                </a:lnTo>
-                <a:lnTo>
-                  <a:pt x="6273" y="3601"/>
-                </a:lnTo>
-                <a:lnTo>
-                  <a:pt x="6273" y="1"/>
-                </a:lnTo>
-                <a:close/>
-              </a:path>
-            </a:pathLst>
-          </a:custGeom>
-          <a:noFill/>
-          <a:ln w="9525" cap="flat" cmpd="sng">
-            <a:solidFill>
-              <a:schemeClr val="dk1"/>
-            </a:solidFill>
-            <a:prstDash val="solid"/>
-            <a:round/>
-            <a:headEnd type="none" w="sm" len="sm"/>
-            <a:tailEnd type="none" w="sm" len="sm"/>
-          </a:ln>
-        </p:spPr>
-        <p:txBody>
-          <a:bodyPr spcFirstLastPara="1" wrap="square" lIns="91425" tIns="91425" rIns="91425" bIns="91425" anchor="ctr" anchorCtr="0">
-            <a:noAutofit/>
-          </a:bodyPr>
-          <a:lstStyle/>
-          <a:p>
-            <a:pPr marL="0" lvl="0" indent="0" algn="l" rtl="0">
-              <a:spcBef>
-                <a:spcPts val="0"/>
-              </a:spcBef>
-              <a:spcAft>
-                <a:spcPts val="0"/>
-              </a:spcAft>
-              <a:buNone/>
-            </a:pPr>
-            <a:endParaRPr/>
-          </a:p>
-        </p:txBody>
-      </p:sp>
-      <p:cxnSp>
-        <p:nvCxnSpPr>
-          <p:cNvPr id="478" name="Google Shape;478;p44"/>
-          <p:cNvCxnSpPr/>
-          <p:nvPr/>
-        </p:nvCxnSpPr>
-        <p:spPr>
-          <a:xfrm rot="10800000">
-            <a:off x="1625" y="3613575"/>
-            <a:ext cx="8422200" cy="0"/>
-          </a:xfrm>
-          <a:prstGeom prst="straightConnector1">
-            <a:avLst/>
-          </a:prstGeom>
-          <a:noFill/>
-          <a:ln w="9525" cap="flat" cmpd="sng">
-            <a:solidFill>
-              <a:schemeClr val="accent1"/>
-            </a:solidFill>
-            <a:prstDash val="solid"/>
-            <a:round/>
-            <a:headEnd type="none" w="med" len="med"/>
-            <a:tailEnd type="none" w="med" len="med"/>
-          </a:ln>
-        </p:spPr>
-      </p:cxnSp>
-      <p:cxnSp>
-        <p:nvCxnSpPr>
-          <p:cNvPr id="479" name="Google Shape;479;p44">
-            <a:hlinkClick r:id="" action="ppaction://hlinkshowjump?jump=nextslide"/>
-          </p:cNvPr>
-          <p:cNvCxnSpPr/>
-          <p:nvPr/>
-        </p:nvCxnSpPr>
-        <p:spPr>
-          <a:xfrm>
-            <a:off x="8630950" y="275125"/>
-            <a:ext cx="286800" cy="0"/>
-          </a:xfrm>
-          <a:prstGeom prst="straightConnector1">
-            <a:avLst/>
-          </a:prstGeom>
-          <a:noFill/>
-          <a:ln w="9525" cap="flat" cmpd="sng">
-            <a:solidFill>
-              <a:schemeClr val="lt2"/>
-            </a:solidFill>
-            <a:prstDash val="solid"/>
-            <a:round/>
-            <a:headEnd type="none" w="med" len="med"/>
-            <a:tailEnd type="triangle" w="med" len="med"/>
-          </a:ln>
-        </p:spPr>
-      </p:cxnSp>
-      <p:cxnSp>
-        <p:nvCxnSpPr>
-          <p:cNvPr id="480" name="Google Shape;480;p44">
-            <a:hlinkClick r:id="" action="ppaction://hlinkshowjump?jump=previousslide"/>
-          </p:cNvPr>
-          <p:cNvCxnSpPr/>
-          <p:nvPr/>
-        </p:nvCxnSpPr>
-        <p:spPr>
-          <a:xfrm rot="10800000">
-            <a:off x="211000" y="275125"/>
-            <a:ext cx="274200" cy="0"/>
-          </a:xfrm>
-          <a:prstGeom prst="straightConnector1">
-            <a:avLst/>
-          </a:prstGeom>
-          <a:noFill/>
-          <a:ln w="9525" cap="flat" cmpd="sng">
-            <a:solidFill>
-              <a:schemeClr val="lt2"/>
-            </a:solidFill>
-            <a:prstDash val="solid"/>
-            <a:round/>
-            <a:headEnd type="none" w="med" len="med"/>
-            <a:tailEnd type="triangle" w="med" len="med"/>
-          </a:ln>
-        </p:spPr>
-      </p:cxnSp>
-      <p:sp>
-        <p:nvSpPr>
-          <p:cNvPr id="481" name="Google Shape;481;p44"/>
-          <p:cNvSpPr txBox="1">
-            <a:spLocks noGrp="1"/>
-          </p:cNvSpPr>
-          <p:nvPr>
-            <p:ph type="subTitle" idx="1"/>
-          </p:nvPr>
-        </p:nvSpPr>
-        <p:spPr>
-          <a:xfrm>
-            <a:off x="713225" y="3845100"/>
-            <a:ext cx="6460500" cy="625500"/>
-          </a:xfrm>
-          <a:prstGeom prst="rect">
-            <a:avLst/>
-          </a:prstGeom>
-        </p:spPr>
-        <p:txBody>
-          <a:bodyPr spcFirstLastPara="1" wrap="square" lIns="91425" tIns="91425" rIns="91425" bIns="91425" anchor="t" anchorCtr="0">
-            <a:noAutofit/>
-          </a:bodyPr>
-          <a:lstStyle/>
-          <a:p>
-            <a:pPr marL="0" lvl="0" indent="0" algn="l" rtl="0">
-              <a:lnSpc>
-                <a:spcPct val="115000"/>
-              </a:lnSpc>
-              <a:spcBef>
-                <a:spcPts val="0"/>
-              </a:spcBef>
-              <a:spcAft>
-                <a:spcPts val="0"/>
-              </a:spcAft>
-              <a:buNone/>
-            </a:pPr>
-            <a:r>
-              <a:rPr lang="en" sz="1600">
-                <a:highlight>
-                  <a:srgbClr val="202124"/>
-                </a:highlight>
-                <a:latin typeface="Arial"/>
-                <a:ea typeface="Arial"/>
-                <a:cs typeface="Arial"/>
-                <a:sym typeface="Arial"/>
-              </a:rPr>
-              <a:t>¿Qué se puede obtener de estos datos</a:t>
-            </a:r>
-            <a:r>
-              <a:rPr lang="en" sz="1600"/>
-              <a:t>?</a:t>
-            </a:r>
-            <a:endParaRPr sz="1600">
-              <a:solidFill>
-                <a:schemeClr val="dk2"/>
-              </a:solidFill>
-            </a:endParaRPr>
-          </a:p>
-        </p:txBody>
-      </p:sp>
-    </p:spTree>
-  </p:cSld>
-  <p:clrMapOvr>
-    <a:masterClrMapping/>
-  </p:clrMapOvr>
-</p:sld>
-</file>
-
-<file path=ppt/slides/slide8.xml><?xml version="1.0" encoding="utf-8"?>
-<p:sld xmlns:a="http://schemas.openxmlformats.org/drawingml/2006/main" xmlns:r="http://schemas.openxmlformats.org/officeDocument/2006/relationships" xmlns:p="http://schemas.openxmlformats.org/presentationml/2006/main">
-  <p:cSld>
-    <p:spTree>
-      <p:nvGrpSpPr>
         <p:cNvPr id="1" name="Shape 485"/>
         <p:cNvGrpSpPr/>
         <p:nvPr/>
@@ -53082,8 +51446,8 @@
         </p:nvSpPr>
         <p:spPr>
           <a:xfrm>
-            <a:off x="434207" y="539484"/>
-            <a:ext cx="1214010" cy="607607"/>
+            <a:off x="213074" y="469125"/>
+            <a:ext cx="2021992" cy="960491"/>
           </a:xfrm>
           <a:prstGeom prst="ellipse">
             <a:avLst/>
@@ -53109,7 +51473,7 @@
               <a:buNone/>
             </a:pPr>
             <a:r>
-              <a:rPr lang="en" sz="4000" dirty="0">
+              <a:rPr lang="en" sz="6000" dirty="0">
                 <a:solidFill>
                   <a:schemeClr val="lt2"/>
                 </a:solidFill>
@@ -53120,7 +51484,7 @@
               </a:rPr>
               <a:t>04</a:t>
             </a:r>
-            <a:endParaRPr sz="4000" dirty="0">
+            <a:endParaRPr sz="6000" dirty="0">
               <a:solidFill>
                 <a:schemeClr val="lt2"/>
               </a:solidFill>
@@ -53140,7 +51504,7 @@
 </p:sld>
 </file>
 
-<file path=ppt/slides/slide9.xml><?xml version="1.0" encoding="utf-8"?>
+<file path=ppt/slides/slide8.xml><?xml version="1.0" encoding="utf-8"?>
 <p:sld xmlns:a="http://schemas.openxmlformats.org/drawingml/2006/main" xmlns:r="http://schemas.openxmlformats.org/officeDocument/2006/relationships" xmlns:p="http://schemas.openxmlformats.org/presentationml/2006/main">
   <p:cSld>
     <p:spTree>
@@ -53627,6 +51991,981 @@
           </a:ln>
         </p:spPr>
       </p:cxnSp>
+    </p:spTree>
+  </p:cSld>
+  <p:clrMapOvr>
+    <a:masterClrMapping/>
+  </p:clrMapOvr>
+</p:sld>
+</file>
+
+<file path=ppt/slides/slide9.xml><?xml version="1.0" encoding="utf-8"?>
+<p:sld xmlns:a="http://schemas.openxmlformats.org/drawingml/2006/main" xmlns:r="http://schemas.openxmlformats.org/officeDocument/2006/relationships" xmlns:p="http://schemas.openxmlformats.org/presentationml/2006/main">
+  <p:cSld>
+    <p:spTree>
+      <p:nvGrpSpPr>
+        <p:cNvPr id="1" name="Shape 519"/>
+        <p:cNvGrpSpPr/>
+        <p:nvPr/>
+      </p:nvGrpSpPr>
+      <p:grpSpPr>
+        <a:xfrm>
+          <a:off x="0" y="0"/>
+          <a:ext cx="0" cy="0"/>
+          <a:chOff x="0" y="0"/>
+          <a:chExt cx="0" cy="0"/>
+        </a:xfrm>
+      </p:grpSpPr>
+      <p:sp>
+        <p:nvSpPr>
+          <p:cNvPr id="520" name="Google Shape;520;p47"/>
+          <p:cNvSpPr txBox="1">
+            <a:spLocks noGrp="1"/>
+          </p:cNvSpPr>
+          <p:nvPr>
+            <p:ph type="subTitle" idx="2"/>
+          </p:nvPr>
+        </p:nvSpPr>
+        <p:spPr>
+          <a:xfrm>
+            <a:off x="4805225" y="1854500"/>
+            <a:ext cx="3625500" cy="331500"/>
+          </a:xfrm>
+          <a:prstGeom prst="rect">
+            <a:avLst/>
+          </a:prstGeom>
+        </p:spPr>
+        <p:txBody>
+          <a:bodyPr spcFirstLastPara="1" wrap="square" lIns="91425" tIns="91425" rIns="91425" bIns="91425" anchor="b" anchorCtr="0">
+            <a:noAutofit/>
+          </a:bodyPr>
+          <a:lstStyle/>
+          <a:p>
+            <a:pPr marL="0" lvl="0" indent="0" algn="ctr" rtl="0">
+              <a:spcBef>
+                <a:spcPts val="0"/>
+              </a:spcBef>
+              <a:spcAft>
+                <a:spcPts val="0"/>
+              </a:spcAft>
+              <a:buNone/>
+            </a:pPr>
+            <a:r>
+              <a:rPr lang="en" sz="2100"/>
+              <a:t>Comestible</a:t>
+            </a:r>
+            <a:endParaRPr sz="2100"/>
+          </a:p>
+        </p:txBody>
+      </p:sp>
+      <p:sp>
+        <p:nvSpPr>
+          <p:cNvPr id="521" name="Google Shape;521;p47"/>
+          <p:cNvSpPr txBox="1">
+            <a:spLocks noGrp="1"/>
+          </p:cNvSpPr>
+          <p:nvPr>
+            <p:ph type="subTitle" idx="3"/>
+          </p:nvPr>
+        </p:nvSpPr>
+        <p:spPr>
+          <a:xfrm>
+            <a:off x="713225" y="1854500"/>
+            <a:ext cx="3625500" cy="331500"/>
+          </a:xfrm>
+          <a:prstGeom prst="rect">
+            <a:avLst/>
+          </a:prstGeom>
+        </p:spPr>
+        <p:txBody>
+          <a:bodyPr spcFirstLastPara="1" wrap="square" lIns="91425" tIns="91425" rIns="91425" bIns="91425" anchor="b" anchorCtr="0">
+            <a:noAutofit/>
+          </a:bodyPr>
+          <a:lstStyle/>
+          <a:p>
+            <a:pPr marL="0" lvl="0" indent="0" algn="ctr" rtl="0">
+              <a:spcBef>
+                <a:spcPts val="0"/>
+              </a:spcBef>
+              <a:spcAft>
+                <a:spcPts val="0"/>
+              </a:spcAft>
+              <a:buNone/>
+            </a:pPr>
+            <a:r>
+              <a:rPr lang="en" sz="2100"/>
+              <a:t>Venenosa</a:t>
+            </a:r>
+            <a:endParaRPr sz="2100"/>
+          </a:p>
+        </p:txBody>
+      </p:sp>
+      <p:cxnSp>
+        <p:nvCxnSpPr>
+          <p:cNvPr id="522" name="Google Shape;522;p47">
+            <a:hlinkClick r:id="" action="ppaction://hlinkshowjump?jump=nextslide"/>
+          </p:cNvPr>
+          <p:cNvCxnSpPr/>
+          <p:nvPr/>
+        </p:nvCxnSpPr>
+        <p:spPr>
+          <a:xfrm>
+            <a:off x="8630950" y="275125"/>
+            <a:ext cx="286800" cy="0"/>
+          </a:xfrm>
+          <a:prstGeom prst="straightConnector1">
+            <a:avLst/>
+          </a:prstGeom>
+          <a:noFill/>
+          <a:ln w="9525" cap="flat" cmpd="sng">
+            <a:solidFill>
+              <a:schemeClr val="lt2"/>
+            </a:solidFill>
+            <a:prstDash val="solid"/>
+            <a:round/>
+            <a:headEnd type="none" w="med" len="med"/>
+            <a:tailEnd type="triangle" w="med" len="med"/>
+          </a:ln>
+        </p:spPr>
+      </p:cxnSp>
+      <p:cxnSp>
+        <p:nvCxnSpPr>
+          <p:cNvPr id="523" name="Google Shape;523;p47">
+            <a:hlinkClick r:id="" action="ppaction://hlinkshowjump?jump=previousslide"/>
+          </p:cNvPr>
+          <p:cNvCxnSpPr/>
+          <p:nvPr/>
+        </p:nvCxnSpPr>
+        <p:spPr>
+          <a:xfrm rot="10800000">
+            <a:off x="213075" y="275125"/>
+            <a:ext cx="286800" cy="0"/>
+          </a:xfrm>
+          <a:prstGeom prst="straightConnector1">
+            <a:avLst/>
+          </a:prstGeom>
+          <a:noFill/>
+          <a:ln w="9525" cap="flat" cmpd="sng">
+            <a:solidFill>
+              <a:schemeClr val="lt2"/>
+            </a:solidFill>
+            <a:prstDash val="solid"/>
+            <a:round/>
+            <a:headEnd type="none" w="med" len="med"/>
+            <a:tailEnd type="triangle" w="med" len="med"/>
+          </a:ln>
+        </p:spPr>
+      </p:cxnSp>
+      <p:sp>
+        <p:nvSpPr>
+          <p:cNvPr id="524" name="Google Shape;524;p47"/>
+          <p:cNvSpPr txBox="1">
+            <a:spLocks noGrp="1"/>
+          </p:cNvSpPr>
+          <p:nvPr>
+            <p:ph type="title"/>
+          </p:nvPr>
+        </p:nvSpPr>
+        <p:spPr>
+          <a:xfrm>
+            <a:off x="713225" y="537650"/>
+            <a:ext cx="7717500" cy="572700"/>
+          </a:xfrm>
+          <a:prstGeom prst="rect">
+            <a:avLst/>
+          </a:prstGeom>
+        </p:spPr>
+        <p:txBody>
+          <a:bodyPr spcFirstLastPara="1" wrap="square" lIns="91425" tIns="91425" rIns="91425" bIns="91425" anchor="ctr" anchorCtr="0">
+            <a:noAutofit/>
+          </a:bodyPr>
+          <a:lstStyle/>
+          <a:p>
+            <a:pPr marL="0" lvl="0" indent="0" algn="ctr" rtl="0">
+              <a:spcBef>
+                <a:spcPts val="0"/>
+              </a:spcBef>
+              <a:spcAft>
+                <a:spcPts val="0"/>
+              </a:spcAft>
+              <a:buNone/>
+            </a:pPr>
+            <a:r>
+              <a:rPr lang="en"/>
+              <a:t>Clasificación de setas</a:t>
+            </a:r>
+            <a:endParaRPr/>
+          </a:p>
+        </p:txBody>
+      </p:sp>
+      <p:grpSp>
+        <p:nvGrpSpPr>
+          <p:cNvPr id="525" name="Google Shape;525;p47"/>
+          <p:cNvGrpSpPr/>
+          <p:nvPr/>
+        </p:nvGrpSpPr>
+        <p:grpSpPr>
+          <a:xfrm>
+            <a:off x="6426166" y="1296292"/>
+            <a:ext cx="452867" cy="372255"/>
+            <a:chOff x="5216456" y="3725484"/>
+            <a:chExt cx="356196" cy="265631"/>
+          </a:xfrm>
+        </p:grpSpPr>
+        <p:sp>
+          <p:nvSpPr>
+            <p:cNvPr id="526" name="Google Shape;526;p47"/>
+            <p:cNvSpPr/>
+            <p:nvPr/>
+          </p:nvSpPr>
+          <p:spPr>
+            <a:xfrm>
+              <a:off x="5216456" y="3814335"/>
+              <a:ext cx="296465" cy="176780"/>
+            </a:xfrm>
+            <a:custGeom>
+              <a:avLst/>
+              <a:gdLst/>
+              <a:ahLst/>
+              <a:cxnLst/>
+              <a:rect l="l" t="t" r="r" b="b"/>
+              <a:pathLst>
+                <a:path w="9336" h="5567" extrusionOk="0">
+                  <a:moveTo>
+                    <a:pt x="1876" y="0"/>
+                  </a:moveTo>
+                  <a:cubicBezTo>
+                    <a:pt x="1831" y="0"/>
+                    <a:pt x="1787" y="18"/>
+                    <a:pt x="1751" y="54"/>
+                  </a:cubicBezTo>
+                  <a:lnTo>
+                    <a:pt x="84" y="1721"/>
+                  </a:lnTo>
+                  <a:cubicBezTo>
+                    <a:pt x="1" y="1804"/>
+                    <a:pt x="1" y="1899"/>
+                    <a:pt x="84" y="1983"/>
+                  </a:cubicBezTo>
+                  <a:lnTo>
+                    <a:pt x="3263" y="5162"/>
+                  </a:lnTo>
+                  <a:cubicBezTo>
+                    <a:pt x="3513" y="5412"/>
+                    <a:pt x="3858" y="5566"/>
+                    <a:pt x="4215" y="5566"/>
+                  </a:cubicBezTo>
+                  <a:cubicBezTo>
+                    <a:pt x="4573" y="5566"/>
+                    <a:pt x="4918" y="5435"/>
+                    <a:pt x="5168" y="5162"/>
+                  </a:cubicBezTo>
+                  <a:lnTo>
+                    <a:pt x="9252" y="1090"/>
+                  </a:lnTo>
+                  <a:cubicBezTo>
+                    <a:pt x="9335" y="1006"/>
+                    <a:pt x="9335" y="887"/>
+                    <a:pt x="9276" y="828"/>
+                  </a:cubicBezTo>
+                  <a:cubicBezTo>
+                    <a:pt x="9240" y="792"/>
+                    <a:pt x="9195" y="774"/>
+                    <a:pt x="9151" y="774"/>
+                  </a:cubicBezTo>
+                  <a:cubicBezTo>
+                    <a:pt x="9106" y="774"/>
+                    <a:pt x="9061" y="792"/>
+                    <a:pt x="9026" y="828"/>
+                  </a:cubicBezTo>
+                  <a:lnTo>
+                    <a:pt x="4942" y="4912"/>
+                  </a:lnTo>
+                  <a:cubicBezTo>
+                    <a:pt x="4751" y="5102"/>
+                    <a:pt x="4501" y="5209"/>
+                    <a:pt x="4227" y="5209"/>
+                  </a:cubicBezTo>
+                  <a:cubicBezTo>
+                    <a:pt x="3965" y="5209"/>
+                    <a:pt x="3715" y="5102"/>
+                    <a:pt x="3513" y="4912"/>
+                  </a:cubicBezTo>
+                  <a:lnTo>
+                    <a:pt x="453" y="1840"/>
+                  </a:lnTo>
+                  <a:lnTo>
+                    <a:pt x="1870" y="435"/>
+                  </a:lnTo>
+                  <a:lnTo>
+                    <a:pt x="2370" y="935"/>
+                  </a:lnTo>
+                  <a:cubicBezTo>
+                    <a:pt x="2406" y="971"/>
+                    <a:pt x="2450" y="988"/>
+                    <a:pt x="2495" y="988"/>
+                  </a:cubicBezTo>
+                  <a:cubicBezTo>
+                    <a:pt x="2540" y="988"/>
+                    <a:pt x="2584" y="971"/>
+                    <a:pt x="2620" y="935"/>
+                  </a:cubicBezTo>
+                  <a:cubicBezTo>
+                    <a:pt x="2703" y="863"/>
+                    <a:pt x="2703" y="756"/>
+                    <a:pt x="2620" y="685"/>
+                  </a:cubicBezTo>
+                  <a:lnTo>
+                    <a:pt x="2001" y="54"/>
+                  </a:lnTo>
+                  <a:cubicBezTo>
+                    <a:pt x="1965" y="18"/>
+                    <a:pt x="1920" y="0"/>
+                    <a:pt x="1876" y="0"/>
+                  </a:cubicBezTo>
+                  <a:close/>
+                </a:path>
+              </a:pathLst>
+            </a:custGeom>
+            <a:solidFill>
+              <a:schemeClr val="lt2"/>
+            </a:solidFill>
+            <a:ln>
+              <a:noFill/>
+            </a:ln>
+          </p:spPr>
+          <p:txBody>
+            <a:bodyPr spcFirstLastPara="1" wrap="square" lIns="91425" tIns="91425" rIns="91425" bIns="91425" anchor="ctr" anchorCtr="0">
+              <a:noAutofit/>
+            </a:bodyPr>
+            <a:lstStyle/>
+            <a:p>
+              <a:pPr marL="0" lvl="0" indent="0" algn="l" rtl="0">
+                <a:spcBef>
+                  <a:spcPts val="0"/>
+                </a:spcBef>
+                <a:spcAft>
+                  <a:spcPts val="0"/>
+                </a:spcAft>
+                <a:buNone/>
+              </a:pPr>
+              <a:endParaRPr/>
+            </a:p>
+          </p:txBody>
+        </p:sp>
+        <p:sp>
+          <p:nvSpPr>
+            <p:cNvPr id="527" name="Google Shape;527;p47"/>
+            <p:cNvSpPr/>
+            <p:nvPr/>
+          </p:nvSpPr>
+          <p:spPr>
+            <a:xfrm>
+              <a:off x="5304925" y="3725484"/>
+              <a:ext cx="267726" cy="170715"/>
+            </a:xfrm>
+            <a:custGeom>
+              <a:avLst/>
+              <a:gdLst/>
+              <a:ahLst/>
+              <a:cxnLst/>
+              <a:rect l="l" t="t" r="r" b="b"/>
+              <a:pathLst>
+                <a:path w="8431" h="5376" extrusionOk="0">
+                  <a:moveTo>
+                    <a:pt x="6585" y="0"/>
+                  </a:moveTo>
+                  <a:cubicBezTo>
+                    <a:pt x="6540" y="0"/>
+                    <a:pt x="6495" y="18"/>
+                    <a:pt x="6454" y="54"/>
+                  </a:cubicBezTo>
+                  <a:lnTo>
+                    <a:pt x="1548" y="4971"/>
+                  </a:lnTo>
+                  <a:cubicBezTo>
+                    <a:pt x="1513" y="4995"/>
+                    <a:pt x="1477" y="5007"/>
+                    <a:pt x="1429" y="5007"/>
+                  </a:cubicBezTo>
+                  <a:cubicBezTo>
+                    <a:pt x="1382" y="5007"/>
+                    <a:pt x="1346" y="4995"/>
+                    <a:pt x="1310" y="4971"/>
+                  </a:cubicBezTo>
+                  <a:lnTo>
+                    <a:pt x="334" y="3983"/>
+                  </a:lnTo>
+                  <a:cubicBezTo>
+                    <a:pt x="292" y="3947"/>
+                    <a:pt x="248" y="3929"/>
+                    <a:pt x="203" y="3929"/>
+                  </a:cubicBezTo>
+                  <a:cubicBezTo>
+                    <a:pt x="158" y="3929"/>
+                    <a:pt x="114" y="3947"/>
+                    <a:pt x="72" y="3983"/>
+                  </a:cubicBezTo>
+                  <a:cubicBezTo>
+                    <a:pt x="1" y="4054"/>
+                    <a:pt x="1" y="4161"/>
+                    <a:pt x="72" y="4245"/>
+                  </a:cubicBezTo>
+                  <a:lnTo>
+                    <a:pt x="1060" y="5221"/>
+                  </a:lnTo>
+                  <a:cubicBezTo>
+                    <a:pt x="1156" y="5328"/>
+                    <a:pt x="1275" y="5376"/>
+                    <a:pt x="1417" y="5376"/>
+                  </a:cubicBezTo>
+                  <a:cubicBezTo>
+                    <a:pt x="1548" y="5376"/>
+                    <a:pt x="1679" y="5316"/>
+                    <a:pt x="1775" y="5221"/>
+                  </a:cubicBezTo>
+                  <a:lnTo>
+                    <a:pt x="6549" y="447"/>
+                  </a:lnTo>
+                  <a:lnTo>
+                    <a:pt x="7966" y="1852"/>
+                  </a:lnTo>
+                  <a:lnTo>
+                    <a:pt x="6704" y="3126"/>
+                  </a:lnTo>
+                  <a:cubicBezTo>
+                    <a:pt x="6621" y="3197"/>
+                    <a:pt x="6621" y="3304"/>
+                    <a:pt x="6704" y="3376"/>
+                  </a:cubicBezTo>
+                  <a:cubicBezTo>
+                    <a:pt x="6740" y="3411"/>
+                    <a:pt x="6784" y="3429"/>
+                    <a:pt x="6829" y="3429"/>
+                  </a:cubicBezTo>
+                  <a:cubicBezTo>
+                    <a:pt x="6874" y="3429"/>
+                    <a:pt x="6918" y="3411"/>
+                    <a:pt x="6954" y="3376"/>
+                  </a:cubicBezTo>
+                  <a:lnTo>
+                    <a:pt x="8347" y="1983"/>
+                  </a:lnTo>
+                  <a:cubicBezTo>
+                    <a:pt x="8383" y="1947"/>
+                    <a:pt x="8395" y="1899"/>
+                    <a:pt x="8395" y="1864"/>
+                  </a:cubicBezTo>
+                  <a:cubicBezTo>
+                    <a:pt x="8430" y="1816"/>
+                    <a:pt x="8406" y="1768"/>
+                    <a:pt x="8383" y="1721"/>
+                  </a:cubicBezTo>
+                  <a:lnTo>
+                    <a:pt x="6716" y="54"/>
+                  </a:lnTo>
+                  <a:cubicBezTo>
+                    <a:pt x="6674" y="18"/>
+                    <a:pt x="6629" y="0"/>
+                    <a:pt x="6585" y="0"/>
+                  </a:cubicBezTo>
+                  <a:close/>
+                </a:path>
+              </a:pathLst>
+            </a:custGeom>
+            <a:solidFill>
+              <a:schemeClr val="lt2"/>
+            </a:solidFill>
+            <a:ln>
+              <a:noFill/>
+            </a:ln>
+          </p:spPr>
+          <p:txBody>
+            <a:bodyPr spcFirstLastPara="1" wrap="square" lIns="91425" tIns="91425" rIns="91425" bIns="91425" anchor="ctr" anchorCtr="0">
+              <a:noAutofit/>
+            </a:bodyPr>
+            <a:lstStyle/>
+            <a:p>
+              <a:pPr marL="0" lvl="0" indent="0" algn="l" rtl="0">
+                <a:spcBef>
+                  <a:spcPts val="0"/>
+                </a:spcBef>
+                <a:spcAft>
+                  <a:spcPts val="0"/>
+                </a:spcAft>
+                <a:buNone/>
+              </a:pPr>
+              <a:endParaRPr/>
+            </a:p>
+          </p:txBody>
+        </p:sp>
+      </p:grpSp>
+      <p:grpSp>
+        <p:nvGrpSpPr>
+          <p:cNvPr id="528" name="Google Shape;528;p47"/>
+          <p:cNvGrpSpPr/>
+          <p:nvPr/>
+        </p:nvGrpSpPr>
+        <p:grpSpPr>
+          <a:xfrm>
+            <a:off x="2358667" y="1296294"/>
+            <a:ext cx="403854" cy="446706"/>
+            <a:chOff x="5779408" y="3699191"/>
+            <a:chExt cx="317645" cy="318757"/>
+          </a:xfrm>
+        </p:grpSpPr>
+        <p:sp>
+          <p:nvSpPr>
+            <p:cNvPr id="529" name="Google Shape;529;p47"/>
+            <p:cNvSpPr/>
+            <p:nvPr/>
+          </p:nvSpPr>
+          <p:spPr>
+            <a:xfrm>
+              <a:off x="5892837" y="3700334"/>
+              <a:ext cx="204216" cy="317614"/>
+            </a:xfrm>
+            <a:custGeom>
+              <a:avLst/>
+              <a:gdLst/>
+              <a:ahLst/>
+              <a:cxnLst/>
+              <a:rect l="l" t="t" r="r" b="b"/>
+              <a:pathLst>
+                <a:path w="6431" h="10002" extrusionOk="0">
+                  <a:moveTo>
+                    <a:pt x="4025" y="0"/>
+                  </a:moveTo>
+                  <a:cubicBezTo>
+                    <a:pt x="3870" y="0"/>
+                    <a:pt x="3704" y="60"/>
+                    <a:pt x="3608" y="179"/>
+                  </a:cubicBezTo>
+                  <a:lnTo>
+                    <a:pt x="1465" y="2322"/>
+                  </a:lnTo>
+                  <a:lnTo>
+                    <a:pt x="299" y="1167"/>
+                  </a:lnTo>
+                  <a:cubicBezTo>
+                    <a:pt x="269" y="1138"/>
+                    <a:pt x="227" y="1123"/>
+                    <a:pt x="184" y="1123"/>
+                  </a:cubicBezTo>
+                  <a:cubicBezTo>
+                    <a:pt x="141" y="1123"/>
+                    <a:pt x="96" y="1138"/>
+                    <a:pt x="60" y="1167"/>
+                  </a:cubicBezTo>
+                  <a:cubicBezTo>
+                    <a:pt x="1" y="1227"/>
+                    <a:pt x="1" y="1322"/>
+                    <a:pt x="60" y="1405"/>
+                  </a:cubicBezTo>
+                  <a:lnTo>
+                    <a:pt x="1346" y="2679"/>
+                  </a:lnTo>
+                  <a:cubicBezTo>
+                    <a:pt x="1370" y="2715"/>
+                    <a:pt x="1418" y="2727"/>
+                    <a:pt x="1465" y="2727"/>
+                  </a:cubicBezTo>
+                  <a:cubicBezTo>
+                    <a:pt x="1501" y="2727"/>
+                    <a:pt x="1549" y="2715"/>
+                    <a:pt x="1584" y="2679"/>
+                  </a:cubicBezTo>
+                  <a:lnTo>
+                    <a:pt x="3847" y="417"/>
+                  </a:lnTo>
+                  <a:cubicBezTo>
+                    <a:pt x="3882" y="370"/>
+                    <a:pt x="3966" y="346"/>
+                    <a:pt x="4037" y="346"/>
+                  </a:cubicBezTo>
+                  <a:cubicBezTo>
+                    <a:pt x="4109" y="346"/>
+                    <a:pt x="4168" y="370"/>
+                    <a:pt x="4228" y="417"/>
+                  </a:cubicBezTo>
+                  <a:lnTo>
+                    <a:pt x="6049" y="2239"/>
+                  </a:lnTo>
+                  <a:cubicBezTo>
+                    <a:pt x="6085" y="2275"/>
+                    <a:pt x="6121" y="2358"/>
+                    <a:pt x="6121" y="2429"/>
+                  </a:cubicBezTo>
+                  <a:cubicBezTo>
+                    <a:pt x="6121" y="2501"/>
+                    <a:pt x="6085" y="2560"/>
+                    <a:pt x="6049" y="2620"/>
+                  </a:cubicBezTo>
+                  <a:lnTo>
+                    <a:pt x="3775" y="4882"/>
+                  </a:lnTo>
+                  <a:cubicBezTo>
+                    <a:pt x="3716" y="4942"/>
+                    <a:pt x="3716" y="5049"/>
+                    <a:pt x="3775" y="5120"/>
+                  </a:cubicBezTo>
+                  <a:lnTo>
+                    <a:pt x="6049" y="7382"/>
+                  </a:lnTo>
+                  <a:cubicBezTo>
+                    <a:pt x="6085" y="7430"/>
+                    <a:pt x="6121" y="7501"/>
+                    <a:pt x="6121" y="7573"/>
+                  </a:cubicBezTo>
+                  <a:cubicBezTo>
+                    <a:pt x="6121" y="7656"/>
+                    <a:pt x="6085" y="7716"/>
+                    <a:pt x="6049" y="7775"/>
+                  </a:cubicBezTo>
+                  <a:lnTo>
+                    <a:pt x="4228" y="9585"/>
+                  </a:lnTo>
+                  <a:cubicBezTo>
+                    <a:pt x="4174" y="9639"/>
+                    <a:pt x="4103" y="9665"/>
+                    <a:pt x="4033" y="9665"/>
+                  </a:cubicBezTo>
+                  <a:cubicBezTo>
+                    <a:pt x="3963" y="9665"/>
+                    <a:pt x="3894" y="9639"/>
+                    <a:pt x="3847" y="9585"/>
+                  </a:cubicBezTo>
+                  <a:lnTo>
+                    <a:pt x="2989" y="8740"/>
+                  </a:lnTo>
+                  <a:cubicBezTo>
+                    <a:pt x="2960" y="8710"/>
+                    <a:pt x="2921" y="8695"/>
+                    <a:pt x="2879" y="8695"/>
+                  </a:cubicBezTo>
+                  <a:cubicBezTo>
+                    <a:pt x="2838" y="8695"/>
+                    <a:pt x="2793" y="8710"/>
+                    <a:pt x="2751" y="8740"/>
+                  </a:cubicBezTo>
+                  <a:cubicBezTo>
+                    <a:pt x="2692" y="8799"/>
+                    <a:pt x="2692" y="8906"/>
+                    <a:pt x="2751" y="8978"/>
+                  </a:cubicBezTo>
+                  <a:lnTo>
+                    <a:pt x="3608" y="9823"/>
+                  </a:lnTo>
+                  <a:cubicBezTo>
+                    <a:pt x="3728" y="9942"/>
+                    <a:pt x="3870" y="10002"/>
+                    <a:pt x="4025" y="10002"/>
+                  </a:cubicBezTo>
+                  <a:cubicBezTo>
+                    <a:pt x="4168" y="10002"/>
+                    <a:pt x="4335" y="9942"/>
+                    <a:pt x="4442" y="9823"/>
+                  </a:cubicBezTo>
+                  <a:lnTo>
+                    <a:pt x="6252" y="8013"/>
+                  </a:lnTo>
+                  <a:cubicBezTo>
+                    <a:pt x="6371" y="7894"/>
+                    <a:pt x="6430" y="7740"/>
+                    <a:pt x="6430" y="7597"/>
+                  </a:cubicBezTo>
+                  <a:cubicBezTo>
+                    <a:pt x="6430" y="7430"/>
+                    <a:pt x="6371" y="7275"/>
+                    <a:pt x="6252" y="7180"/>
+                  </a:cubicBezTo>
+                  <a:lnTo>
+                    <a:pt x="4109" y="4977"/>
+                  </a:lnTo>
+                  <a:lnTo>
+                    <a:pt x="6252" y="2834"/>
+                  </a:lnTo>
+                  <a:cubicBezTo>
+                    <a:pt x="6371" y="2715"/>
+                    <a:pt x="6430" y="2560"/>
+                    <a:pt x="6430" y="2417"/>
+                  </a:cubicBezTo>
+                  <a:cubicBezTo>
+                    <a:pt x="6430" y="2251"/>
+                    <a:pt x="6371" y="2096"/>
+                    <a:pt x="6252" y="2001"/>
+                  </a:cubicBezTo>
+                  <a:lnTo>
+                    <a:pt x="4442" y="179"/>
+                  </a:lnTo>
+                  <a:cubicBezTo>
+                    <a:pt x="4323" y="60"/>
+                    <a:pt x="4168" y="0"/>
+                    <a:pt x="4025" y="0"/>
+                  </a:cubicBezTo>
+                  <a:close/>
+                </a:path>
+              </a:pathLst>
+            </a:custGeom>
+            <a:solidFill>
+              <a:schemeClr val="lt2"/>
+            </a:solidFill>
+            <a:ln>
+              <a:noFill/>
+            </a:ln>
+          </p:spPr>
+          <p:txBody>
+            <a:bodyPr spcFirstLastPara="1" wrap="square" lIns="91425" tIns="91425" rIns="91425" bIns="91425" anchor="ctr" anchorCtr="0">
+              <a:noAutofit/>
+            </a:bodyPr>
+            <a:lstStyle/>
+            <a:p>
+              <a:pPr marL="0" lvl="0" indent="0" algn="l" rtl="0">
+                <a:spcBef>
+                  <a:spcPts val="0"/>
+                </a:spcBef>
+                <a:spcAft>
+                  <a:spcPts val="0"/>
+                </a:spcAft>
+                <a:buNone/>
+              </a:pPr>
+              <a:endParaRPr/>
+            </a:p>
+          </p:txBody>
+        </p:sp>
+        <p:sp>
+          <p:nvSpPr>
+            <p:cNvPr id="530" name="Google Shape;530;p47"/>
+            <p:cNvSpPr/>
+            <p:nvPr/>
+          </p:nvSpPr>
+          <p:spPr>
+            <a:xfrm>
+              <a:off x="5779408" y="3699191"/>
+              <a:ext cx="195134" cy="316883"/>
+            </a:xfrm>
+            <a:custGeom>
+              <a:avLst/>
+              <a:gdLst/>
+              <a:ahLst/>
+              <a:cxnLst/>
+              <a:rect l="l" t="t" r="r" b="b"/>
+              <a:pathLst>
+                <a:path w="6145" h="9979" extrusionOk="0">
+                  <a:moveTo>
+                    <a:pt x="2477" y="1"/>
+                  </a:moveTo>
+                  <a:cubicBezTo>
+                    <a:pt x="2311" y="1"/>
+                    <a:pt x="2156" y="60"/>
+                    <a:pt x="2061" y="179"/>
+                  </a:cubicBezTo>
+                  <a:lnTo>
+                    <a:pt x="239" y="2001"/>
+                  </a:lnTo>
+                  <a:cubicBezTo>
+                    <a:pt x="1" y="2239"/>
+                    <a:pt x="1" y="2608"/>
+                    <a:pt x="239" y="2846"/>
+                  </a:cubicBezTo>
+                  <a:lnTo>
+                    <a:pt x="2382" y="4989"/>
+                  </a:lnTo>
+                  <a:lnTo>
+                    <a:pt x="239" y="7133"/>
+                  </a:lnTo>
+                  <a:cubicBezTo>
+                    <a:pt x="1" y="7371"/>
+                    <a:pt x="1" y="7752"/>
+                    <a:pt x="239" y="7990"/>
+                  </a:cubicBezTo>
+                  <a:lnTo>
+                    <a:pt x="2061" y="9800"/>
+                  </a:lnTo>
+                  <a:cubicBezTo>
+                    <a:pt x="2180" y="9919"/>
+                    <a:pt x="2323" y="9978"/>
+                    <a:pt x="2477" y="9978"/>
+                  </a:cubicBezTo>
+                  <a:cubicBezTo>
+                    <a:pt x="2620" y="9978"/>
+                    <a:pt x="2787" y="9919"/>
+                    <a:pt x="2882" y="9800"/>
+                  </a:cubicBezTo>
+                  <a:lnTo>
+                    <a:pt x="5037" y="7656"/>
+                  </a:lnTo>
+                  <a:lnTo>
+                    <a:pt x="5859" y="8490"/>
+                  </a:lnTo>
+                  <a:cubicBezTo>
+                    <a:pt x="5895" y="8520"/>
+                    <a:pt x="5936" y="8535"/>
+                    <a:pt x="5978" y="8535"/>
+                  </a:cubicBezTo>
+                  <a:cubicBezTo>
+                    <a:pt x="6020" y="8535"/>
+                    <a:pt x="6061" y="8520"/>
+                    <a:pt x="6097" y="8490"/>
+                  </a:cubicBezTo>
+                  <a:cubicBezTo>
+                    <a:pt x="6145" y="8430"/>
+                    <a:pt x="6145" y="8323"/>
+                    <a:pt x="6085" y="8264"/>
+                  </a:cubicBezTo>
+                  <a:lnTo>
+                    <a:pt x="5156" y="7335"/>
+                  </a:lnTo>
+                  <a:cubicBezTo>
+                    <a:pt x="5121" y="7299"/>
+                    <a:pt x="5073" y="7287"/>
+                    <a:pt x="5037" y="7287"/>
+                  </a:cubicBezTo>
+                  <a:cubicBezTo>
+                    <a:pt x="4990" y="7287"/>
+                    <a:pt x="4942" y="7299"/>
+                    <a:pt x="4918" y="7335"/>
+                  </a:cubicBezTo>
+                  <a:lnTo>
+                    <a:pt x="2656" y="9597"/>
+                  </a:lnTo>
+                  <a:cubicBezTo>
+                    <a:pt x="2608" y="9633"/>
+                    <a:pt x="2537" y="9669"/>
+                    <a:pt x="2454" y="9669"/>
+                  </a:cubicBezTo>
+                  <a:cubicBezTo>
+                    <a:pt x="2382" y="9669"/>
+                    <a:pt x="2323" y="9633"/>
+                    <a:pt x="2263" y="9597"/>
+                  </a:cubicBezTo>
+                  <a:lnTo>
+                    <a:pt x="453" y="7776"/>
+                  </a:lnTo>
+                  <a:cubicBezTo>
+                    <a:pt x="346" y="7668"/>
+                    <a:pt x="346" y="7490"/>
+                    <a:pt x="453" y="7395"/>
+                  </a:cubicBezTo>
+                  <a:lnTo>
+                    <a:pt x="2716" y="5132"/>
+                  </a:lnTo>
+                  <a:cubicBezTo>
+                    <a:pt x="2739" y="5097"/>
+                    <a:pt x="2751" y="5049"/>
+                    <a:pt x="2751" y="5013"/>
+                  </a:cubicBezTo>
+                  <a:cubicBezTo>
+                    <a:pt x="2751" y="4966"/>
+                    <a:pt x="2739" y="4918"/>
+                    <a:pt x="2716" y="4894"/>
+                  </a:cubicBezTo>
+                  <a:lnTo>
+                    <a:pt x="453" y="2632"/>
+                  </a:lnTo>
+                  <a:cubicBezTo>
+                    <a:pt x="346" y="2525"/>
+                    <a:pt x="346" y="2346"/>
+                    <a:pt x="453" y="2239"/>
+                  </a:cubicBezTo>
+                  <a:lnTo>
+                    <a:pt x="2263" y="417"/>
+                  </a:lnTo>
+                  <a:cubicBezTo>
+                    <a:pt x="2311" y="382"/>
+                    <a:pt x="2382" y="346"/>
+                    <a:pt x="2454" y="346"/>
+                  </a:cubicBezTo>
+                  <a:cubicBezTo>
+                    <a:pt x="2537" y="346"/>
+                    <a:pt x="2597" y="382"/>
+                    <a:pt x="2656" y="417"/>
+                  </a:cubicBezTo>
+                  <a:lnTo>
+                    <a:pt x="3168" y="941"/>
+                  </a:lnTo>
+                  <a:cubicBezTo>
+                    <a:pt x="3198" y="971"/>
+                    <a:pt x="3239" y="986"/>
+                    <a:pt x="3283" y="986"/>
+                  </a:cubicBezTo>
+                  <a:cubicBezTo>
+                    <a:pt x="3326" y="986"/>
+                    <a:pt x="3370" y="971"/>
+                    <a:pt x="3406" y="941"/>
+                  </a:cubicBezTo>
+                  <a:cubicBezTo>
+                    <a:pt x="3466" y="882"/>
+                    <a:pt x="3466" y="775"/>
+                    <a:pt x="3406" y="703"/>
+                  </a:cubicBezTo>
+                  <a:lnTo>
+                    <a:pt x="2882" y="179"/>
+                  </a:lnTo>
+                  <a:cubicBezTo>
+                    <a:pt x="2775" y="60"/>
+                    <a:pt x="2620" y="1"/>
+                    <a:pt x="2477" y="1"/>
+                  </a:cubicBezTo>
+                  <a:close/>
+                </a:path>
+              </a:pathLst>
+            </a:custGeom>
+            <a:solidFill>
+              <a:schemeClr val="lt2"/>
+            </a:solidFill>
+            <a:ln>
+              <a:noFill/>
+            </a:ln>
+          </p:spPr>
+          <p:txBody>
+            <a:bodyPr spcFirstLastPara="1" wrap="square" lIns="91425" tIns="91425" rIns="91425" bIns="91425" anchor="ctr" anchorCtr="0">
+              <a:noAutofit/>
+            </a:bodyPr>
+            <a:lstStyle/>
+            <a:p>
+              <a:pPr marL="0" lvl="0" indent="0" algn="l" rtl="0">
+                <a:spcBef>
+                  <a:spcPts val="0"/>
+                </a:spcBef>
+                <a:spcAft>
+                  <a:spcPts val="0"/>
+                </a:spcAft>
+                <a:buNone/>
+              </a:pPr>
+              <a:endParaRPr/>
+            </a:p>
+          </p:txBody>
+        </p:sp>
+      </p:grpSp>
+      <p:pic>
+        <p:nvPicPr>
+          <p:cNvPr id="531" name="Google Shape;531;p47"/>
+          <p:cNvPicPr preferRelativeResize="0"/>
+          <p:nvPr/>
+        </p:nvPicPr>
+        <p:blipFill>
+          <a:blip r:embed="rId3">
+            <a:alphaModFix/>
+          </a:blip>
+          <a:stretch>
+            <a:fillRect/>
+          </a:stretch>
+        </p:blipFill>
+        <p:spPr>
+          <a:xfrm>
+            <a:off x="2422950" y="2121475"/>
+            <a:ext cx="3937900" cy="2265425"/>
+          </a:xfrm>
+          <a:prstGeom prst="rect">
+            <a:avLst/>
+          </a:prstGeom>
+          <a:noFill/>
+          <a:ln>
+            <a:noFill/>
+          </a:ln>
+        </p:spPr>
+      </p:pic>
     </p:spTree>
   </p:cSld>
   <p:clrMapOvr>
